--- a/ez18n-slides/ez18n_hands_on.pptx
+++ b/ez18n-slides/ez18n_hands_on.pptx
@@ -305,7 +305,7 @@
           <a:p>
             <a:fld id="{44BDE56E-FDAD-435D-9C14-6892E5F1DEF0}" type="datetimeFigureOut">
               <a:rPr lang="fr-FR" smtClean="0"/>
-              <a:t>10/06/2012</a:t>
+              <a:t>11/06/2012</a:t>
             </a:fld>
             <a:endParaRPr lang="fr-FR"/>
           </a:p>
@@ -475,7 +475,7 @@
           <a:p>
             <a:fld id="{44BDE56E-FDAD-435D-9C14-6892E5F1DEF0}" type="datetimeFigureOut">
               <a:rPr lang="fr-FR" smtClean="0"/>
-              <a:t>10/06/2012</a:t>
+              <a:t>11/06/2012</a:t>
             </a:fld>
             <a:endParaRPr lang="fr-FR"/>
           </a:p>
@@ -655,7 +655,7 @@
           <a:p>
             <a:fld id="{44BDE56E-FDAD-435D-9C14-6892E5F1DEF0}" type="datetimeFigureOut">
               <a:rPr lang="fr-FR" smtClean="0"/>
-              <a:t>10/06/2012</a:t>
+              <a:t>11/06/2012</a:t>
             </a:fld>
             <a:endParaRPr lang="fr-FR"/>
           </a:p>
@@ -825,7 +825,7 @@
           <a:p>
             <a:fld id="{44BDE56E-FDAD-435D-9C14-6892E5F1DEF0}" type="datetimeFigureOut">
               <a:rPr lang="fr-FR" smtClean="0"/>
-              <a:t>10/06/2012</a:t>
+              <a:t>11/06/2012</a:t>
             </a:fld>
             <a:endParaRPr lang="fr-FR"/>
           </a:p>
@@ -1071,7 +1071,7 @@
           <a:p>
             <a:fld id="{44BDE56E-FDAD-435D-9C14-6892E5F1DEF0}" type="datetimeFigureOut">
               <a:rPr lang="fr-FR" smtClean="0"/>
-              <a:t>10/06/2012</a:t>
+              <a:t>11/06/2012</a:t>
             </a:fld>
             <a:endParaRPr lang="fr-FR"/>
           </a:p>
@@ -1359,7 +1359,7 @@
           <a:p>
             <a:fld id="{44BDE56E-FDAD-435D-9C14-6892E5F1DEF0}" type="datetimeFigureOut">
               <a:rPr lang="fr-FR" smtClean="0"/>
-              <a:t>10/06/2012</a:t>
+              <a:t>11/06/2012</a:t>
             </a:fld>
             <a:endParaRPr lang="fr-FR"/>
           </a:p>
@@ -1781,7 +1781,7 @@
           <a:p>
             <a:fld id="{44BDE56E-FDAD-435D-9C14-6892E5F1DEF0}" type="datetimeFigureOut">
               <a:rPr lang="fr-FR" smtClean="0"/>
-              <a:t>10/06/2012</a:t>
+              <a:t>11/06/2012</a:t>
             </a:fld>
             <a:endParaRPr lang="fr-FR"/>
           </a:p>
@@ -1899,7 +1899,7 @@
           <a:p>
             <a:fld id="{44BDE56E-FDAD-435D-9C14-6892E5F1DEF0}" type="datetimeFigureOut">
               <a:rPr lang="fr-FR" smtClean="0"/>
-              <a:t>10/06/2012</a:t>
+              <a:t>11/06/2012</a:t>
             </a:fld>
             <a:endParaRPr lang="fr-FR"/>
           </a:p>
@@ -1994,7 +1994,7 @@
           <a:p>
             <a:fld id="{44BDE56E-FDAD-435D-9C14-6892E5F1DEF0}" type="datetimeFigureOut">
               <a:rPr lang="fr-FR" smtClean="0"/>
-              <a:t>10/06/2012</a:t>
+              <a:t>11/06/2012</a:t>
             </a:fld>
             <a:endParaRPr lang="fr-FR"/>
           </a:p>
@@ -2271,7 +2271,7 @@
           <a:p>
             <a:fld id="{44BDE56E-FDAD-435D-9C14-6892E5F1DEF0}" type="datetimeFigureOut">
               <a:rPr lang="fr-FR" smtClean="0"/>
-              <a:t>10/06/2012</a:t>
+              <a:t>11/06/2012</a:t>
             </a:fld>
             <a:endParaRPr lang="fr-FR"/>
           </a:p>
@@ -2524,7 +2524,7 @@
           <a:p>
             <a:fld id="{44BDE56E-FDAD-435D-9C14-6892E5F1DEF0}" type="datetimeFigureOut">
               <a:rPr lang="fr-FR" smtClean="0"/>
-              <a:t>10/06/2012</a:t>
+              <a:t>11/06/2012</a:t>
             </a:fld>
             <a:endParaRPr lang="fr-FR"/>
           </a:p>
@@ -2607,6 +2607,36 @@
           <a:chExt cx="0" cy="0"/>
         </a:xfrm>
       </p:grpSpPr>
+      <p:pic>
+        <p:nvPicPr>
+          <p:cNvPr id="7" name="Image 6"/>
+          <p:cNvPicPr>
+            <a:picLocks noChangeAspect="1"/>
+          </p:cNvPicPr>
+          <p:nvPr userDrawn="1"/>
+        </p:nvPicPr>
+        <p:blipFill>
+          <a:blip r:embed="rId13" cstate="print">
+            <a:extLst>
+              <a:ext uri="{28A0092B-C50C-407E-A947-70E740481C1C}">
+                <a14:useLocalDpi xmlns:a14="http://schemas.microsoft.com/office/drawing/2010/main" val="0"/>
+              </a:ext>
+            </a:extLst>
+          </a:blip>
+          <a:stretch>
+            <a:fillRect/>
+          </a:stretch>
+        </p:blipFill>
+        <p:spPr>
+          <a:xfrm>
+            <a:off x="507" y="0"/>
+            <a:ext cx="9142985" cy="6858000"/>
+          </a:xfrm>
+          <a:prstGeom prst="rect">
+            <a:avLst/>
+          </a:prstGeom>
+        </p:spPr>
+      </p:pic>
       <p:sp>
         <p:nvSpPr>
           <p:cNvPr id="2" name="Espace réservé du titre 1"/>
@@ -2737,7 +2767,7 @@
           <a:p>
             <a:fld id="{44BDE56E-FDAD-435D-9C14-6892E5F1DEF0}" type="datetimeFigureOut">
               <a:rPr lang="fr-FR" smtClean="0"/>
-              <a:t>10/06/2012</a:t>
+              <a:t>11/06/2012</a:t>
             </a:fld>
             <a:endParaRPr lang="fr-FR"/>
           </a:p>

--- a/ez18n-slides/ez18n_hands_on.pptx
+++ b/ez18n-slides/ez18n_hands_on.pptx
@@ -11,18 +11,21 @@
     <p:sldId id="259" r:id="rId5"/>
     <p:sldId id="260" r:id="rId6"/>
     <p:sldId id="261" r:id="rId7"/>
-    <p:sldId id="262" r:id="rId8"/>
-    <p:sldId id="263" r:id="rId9"/>
-    <p:sldId id="264" r:id="rId10"/>
-    <p:sldId id="265" r:id="rId11"/>
-    <p:sldId id="266" r:id="rId12"/>
-    <p:sldId id="267" r:id="rId13"/>
-    <p:sldId id="268" r:id="rId14"/>
-    <p:sldId id="269" r:id="rId15"/>
-    <p:sldId id="270" r:id="rId16"/>
-    <p:sldId id="271" r:id="rId17"/>
-    <p:sldId id="272" r:id="rId18"/>
-    <p:sldId id="273" r:id="rId19"/>
+    <p:sldId id="274" r:id="rId8"/>
+    <p:sldId id="262" r:id="rId9"/>
+    <p:sldId id="263" r:id="rId10"/>
+    <p:sldId id="264" r:id="rId11"/>
+    <p:sldId id="265" r:id="rId12"/>
+    <p:sldId id="266" r:id="rId13"/>
+    <p:sldId id="275" r:id="rId14"/>
+    <p:sldId id="276" r:id="rId15"/>
+    <p:sldId id="267" r:id="rId16"/>
+    <p:sldId id="268" r:id="rId17"/>
+    <p:sldId id="269" r:id="rId18"/>
+    <p:sldId id="270" r:id="rId19"/>
+    <p:sldId id="271" r:id="rId20"/>
+    <p:sldId id="272" r:id="rId21"/>
+    <p:sldId id="273" r:id="rId22"/>
   </p:sldIdLst>
   <p:sldSz cx="9144000" cy="6858000" type="screen4x3"/>
   <p:notesSz cx="6858000" cy="9144000"/>
@@ -305,7 +308,7 @@
           <a:p>
             <a:fld id="{44BDE56E-FDAD-435D-9C14-6892E5F1DEF0}" type="datetimeFigureOut">
               <a:rPr lang="fr-FR" smtClean="0"/>
-              <a:t>11/06/2012</a:t>
+              <a:t>12/06/2012</a:t>
             </a:fld>
             <a:endParaRPr lang="fr-FR"/>
           </a:p>
@@ -475,7 +478,7 @@
           <a:p>
             <a:fld id="{44BDE56E-FDAD-435D-9C14-6892E5F1DEF0}" type="datetimeFigureOut">
               <a:rPr lang="fr-FR" smtClean="0"/>
-              <a:t>11/06/2012</a:t>
+              <a:t>12/06/2012</a:t>
             </a:fld>
             <a:endParaRPr lang="fr-FR"/>
           </a:p>
@@ -655,7 +658,7 @@
           <a:p>
             <a:fld id="{44BDE56E-FDAD-435D-9C14-6892E5F1DEF0}" type="datetimeFigureOut">
               <a:rPr lang="fr-FR" smtClean="0"/>
-              <a:t>11/06/2012</a:t>
+              <a:t>12/06/2012</a:t>
             </a:fld>
             <a:endParaRPr lang="fr-FR"/>
           </a:p>
@@ -825,7 +828,7 @@
           <a:p>
             <a:fld id="{44BDE56E-FDAD-435D-9C14-6892E5F1DEF0}" type="datetimeFigureOut">
               <a:rPr lang="fr-FR" smtClean="0"/>
-              <a:t>11/06/2012</a:t>
+              <a:t>12/06/2012</a:t>
             </a:fld>
             <a:endParaRPr lang="fr-FR"/>
           </a:p>
@@ -1071,7 +1074,7 @@
           <a:p>
             <a:fld id="{44BDE56E-FDAD-435D-9C14-6892E5F1DEF0}" type="datetimeFigureOut">
               <a:rPr lang="fr-FR" smtClean="0"/>
-              <a:t>11/06/2012</a:t>
+              <a:t>12/06/2012</a:t>
             </a:fld>
             <a:endParaRPr lang="fr-FR"/>
           </a:p>
@@ -1359,7 +1362,7 @@
           <a:p>
             <a:fld id="{44BDE56E-FDAD-435D-9C14-6892E5F1DEF0}" type="datetimeFigureOut">
               <a:rPr lang="fr-FR" smtClean="0"/>
-              <a:t>11/06/2012</a:t>
+              <a:t>12/06/2012</a:t>
             </a:fld>
             <a:endParaRPr lang="fr-FR"/>
           </a:p>
@@ -1781,7 +1784,7 @@
           <a:p>
             <a:fld id="{44BDE56E-FDAD-435D-9C14-6892E5F1DEF0}" type="datetimeFigureOut">
               <a:rPr lang="fr-FR" smtClean="0"/>
-              <a:t>11/06/2012</a:t>
+              <a:t>12/06/2012</a:t>
             </a:fld>
             <a:endParaRPr lang="fr-FR"/>
           </a:p>
@@ -1899,7 +1902,7 @@
           <a:p>
             <a:fld id="{44BDE56E-FDAD-435D-9C14-6892E5F1DEF0}" type="datetimeFigureOut">
               <a:rPr lang="fr-FR" smtClean="0"/>
-              <a:t>11/06/2012</a:t>
+              <a:t>12/06/2012</a:t>
             </a:fld>
             <a:endParaRPr lang="fr-FR"/>
           </a:p>
@@ -1994,7 +1997,7 @@
           <a:p>
             <a:fld id="{44BDE56E-FDAD-435D-9C14-6892E5F1DEF0}" type="datetimeFigureOut">
               <a:rPr lang="fr-FR" smtClean="0"/>
-              <a:t>11/06/2012</a:t>
+              <a:t>12/06/2012</a:t>
             </a:fld>
             <a:endParaRPr lang="fr-FR"/>
           </a:p>
@@ -2271,7 +2274,7 @@
           <a:p>
             <a:fld id="{44BDE56E-FDAD-435D-9C14-6892E5F1DEF0}" type="datetimeFigureOut">
               <a:rPr lang="fr-FR" smtClean="0"/>
-              <a:t>11/06/2012</a:t>
+              <a:t>12/06/2012</a:t>
             </a:fld>
             <a:endParaRPr lang="fr-FR"/>
           </a:p>
@@ -2524,7 +2527,7 @@
           <a:p>
             <a:fld id="{44BDE56E-FDAD-435D-9C14-6892E5F1DEF0}" type="datetimeFigureOut">
               <a:rPr lang="fr-FR" smtClean="0"/>
-              <a:t>11/06/2012</a:t>
+              <a:t>12/06/2012</a:t>
             </a:fld>
             <a:endParaRPr lang="fr-FR"/>
           </a:p>
@@ -2767,7 +2770,7 @@
           <a:p>
             <a:fld id="{44BDE56E-FDAD-435D-9C14-6892E5F1DEF0}" type="datetimeFigureOut">
               <a:rPr lang="fr-FR" smtClean="0"/>
-              <a:t>11/06/2012</a:t>
+              <a:t>12/06/2012</a:t>
             </a:fld>
             <a:endParaRPr lang="fr-FR"/>
           </a:p>
@@ -3234,52 +3237,218 @@
         </p:nvSpPr>
         <p:spPr/>
         <p:txBody>
-          <a:bodyPr>
-            <a:normAutofit fontScale="90000"/>
-          </a:bodyPr>
+          <a:bodyPr/>
           <a:lstStyle/>
           <a:p>
             <a:r>
               <a:rPr lang="fr-FR" dirty="0" smtClean="0"/>
-              <a:t>La problématique de l’application </a:t>
-            </a:r>
-            <a:r>
-              <a:rPr lang="fr-FR" dirty="0" err="1" smtClean="0"/>
-              <a:t>multi-écran</a:t>
+              <a:t>Rapport CSV des clés i18n</a:t>
             </a:r>
             <a:endParaRPr lang="fr-FR" dirty="0"/>
           </a:p>
         </p:txBody>
       </p:sp>
-      <p:sp>
-        <p:nvSpPr>
-          <p:cNvPr id="3" name="Espace réservé du contenu 2"/>
-          <p:cNvSpPr>
-            <a:spLocks noGrp="1"/>
-          </p:cNvSpPr>
+      <p:pic>
+        <p:nvPicPr>
+          <p:cNvPr id="4" name="Espace réservé du contenu 3"/>
+          <p:cNvPicPr>
+            <a:picLocks noGrp="1" noChangeAspect="1"/>
+          </p:cNvPicPr>
           <p:nvPr>
             <p:ph idx="1"/>
           </p:nvPr>
-        </p:nvSpPr>
-        <p:spPr/>
-        <p:txBody>
-          <a:bodyPr/>
-          <a:lstStyle/>
-          <a:p>
+        </p:nvPicPr>
+        <p:blipFill>
+          <a:blip r:embed="rId2">
+            <a:extLst>
+              <a:ext uri="{28A0092B-C50C-407E-A947-70E740481C1C}">
+                <a14:useLocalDpi xmlns:a14="http://schemas.microsoft.com/office/drawing/2010/main" val="0"/>
+              </a:ext>
+            </a:extLst>
+          </a:blip>
+          <a:stretch>
+            <a:fillRect/>
+          </a:stretch>
+        </p:blipFill>
+        <p:spPr>
+          <a:xfrm>
+            <a:off x="2895600" y="3352800"/>
+            <a:ext cx="6092456" cy="2606722"/>
+          </a:xfrm>
+        </p:spPr>
+      </p:pic>
+      <p:pic>
+        <p:nvPicPr>
+          <p:cNvPr id="5122" name="Picture 2"/>
+          <p:cNvPicPr>
+            <a:picLocks noChangeAspect="1" noChangeArrowheads="1"/>
+          </p:cNvPicPr>
+          <p:nvPr/>
+        </p:nvPicPr>
+        <p:blipFill>
+          <a:blip r:embed="rId3">
+            <a:extLst>
+              <a:ext uri="{28A0092B-C50C-407E-A947-70E740481C1C}">
+                <a14:useLocalDpi xmlns:a14="http://schemas.microsoft.com/office/drawing/2010/main" val="0"/>
+              </a:ext>
+            </a:extLst>
+          </a:blip>
+          <a:srcRect/>
+          <a:stretch>
+            <a:fillRect/>
+          </a:stretch>
+        </p:blipFill>
+        <p:spPr bwMode="auto">
+          <a:xfrm>
+            <a:off x="381000" y="1371600"/>
+            <a:ext cx="6315075" cy="2876550"/>
+          </a:xfrm>
+          <a:prstGeom prst="rect">
+            <a:avLst/>
+          </a:prstGeom>
+          <a:noFill/>
+          <a:ln w="28575">
+            <a:solidFill>
+              <a:schemeClr val="tx2"/>
+            </a:solidFill>
+            <a:miter lim="800000"/>
+            <a:headEnd/>
+            <a:tailEnd/>
+          </a:ln>
+          <a:effectLst/>
+          <a:extLst>
+            <a:ext uri="{909E8E84-426E-40DD-AFC4-6F175D3DCCD1}">
+              <a14:hiddenFill xmlns:a14="http://schemas.microsoft.com/office/drawing/2010/main">
+                <a:solidFill>
+                  <a:schemeClr val="accent1"/>
+                </a:solidFill>
+              </a14:hiddenFill>
+            </a:ext>
+            <a:ext uri="{91240B29-F687-4F45-9708-019B960494DF}">
+              <a14:hiddenLine xmlns:a14="http://schemas.microsoft.com/office/drawing/2010/main" w="9525">
+                <a:solidFill>
+                  <a:schemeClr val="tx1"/>
+                </a:solidFill>
+                <a:miter lim="800000"/>
+                <a:headEnd/>
+                <a:tailEnd/>
+              </a14:hiddenLine>
+            </a:ext>
+            <a:ext uri="{AF507438-7753-43E0-B8FC-AC1667EBCBE1}">
+              <a14:hiddenEffects xmlns:a14="http://schemas.microsoft.com/office/drawing/2010/main">
+                <a:effectLst>
+                  <a:outerShdw dist="35921" dir="2700000" algn="ctr" rotWithShape="0">
+                    <a:schemeClr val="bg2"/>
+                  </a:outerShdw>
+                </a:effectLst>
+              </a14:hiddenEffects>
+            </a:ext>
+          </a:extLst>
+        </p:spPr>
+      </p:pic>
+      <p:sp>
+        <p:nvSpPr>
+          <p:cNvPr id="5" name="Rectangle 4"/>
+          <p:cNvSpPr/>
+          <p:nvPr/>
+        </p:nvSpPr>
+        <p:spPr>
+          <a:xfrm>
+            <a:off x="1066800" y="3657600"/>
+            <a:ext cx="4495800" cy="152400"/>
+          </a:xfrm>
+          <a:prstGeom prst="rect">
+            <a:avLst/>
+          </a:prstGeom>
+          <a:noFill/>
+          <a:ln>
+            <a:solidFill>
+              <a:schemeClr val="tx2"/>
+            </a:solidFill>
+          </a:ln>
+        </p:spPr>
+        <p:style>
+          <a:lnRef idx="2">
+            <a:schemeClr val="accent1">
+              <a:shade val="50000"/>
+            </a:schemeClr>
+          </a:lnRef>
+          <a:fillRef idx="1">
+            <a:schemeClr val="accent1"/>
+          </a:fillRef>
+          <a:effectRef idx="0">
+            <a:schemeClr val="accent1"/>
+          </a:effectRef>
+          <a:fontRef idx="minor">
+            <a:schemeClr val="lt1"/>
+          </a:fontRef>
+        </p:style>
+        <p:txBody>
+          <a:bodyPr rtlCol="0" anchor="ctr"/>
+          <a:lstStyle/>
+          <a:p>
+            <a:pPr algn="ctr"/>
             <a:endParaRPr lang="fr-FR"/>
           </a:p>
         </p:txBody>
       </p:sp>
+      <p:cxnSp>
+        <p:nvCxnSpPr>
+          <p:cNvPr id="7" name="Connecteur en arc 6"/>
+          <p:cNvCxnSpPr>
+            <a:endCxn id="4" idx="1"/>
+          </p:cNvCxnSpPr>
+          <p:nvPr/>
+        </p:nvCxnSpPr>
+        <p:spPr>
+          <a:xfrm>
+            <a:off x="1828800" y="4343400"/>
+            <a:ext cx="1066800" cy="312761"/>
+          </a:xfrm>
+          <a:prstGeom prst="curvedConnector3">
+            <a:avLst>
+              <a:gd name="adj1" fmla="val 2225"/>
+            </a:avLst>
+          </a:prstGeom>
+          <a:ln w="28575">
+            <a:solidFill>
+              <a:schemeClr val="tx2"/>
+            </a:solidFill>
+            <a:tailEnd type="arrow"/>
+          </a:ln>
+        </p:spPr>
+        <p:style>
+          <a:lnRef idx="1">
+            <a:schemeClr val="accent1"/>
+          </a:lnRef>
+          <a:fillRef idx="0">
+            <a:schemeClr val="accent1"/>
+          </a:fillRef>
+          <a:effectRef idx="0">
+            <a:schemeClr val="accent1"/>
+          </a:effectRef>
+          <a:fontRef idx="minor">
+            <a:schemeClr val="tx1"/>
+          </a:fontRef>
+        </p:style>
+      </p:cxnSp>
     </p:spTree>
     <p:extLst>
       <p:ext uri="{BB962C8B-B14F-4D97-AF65-F5344CB8AC3E}">
-        <p14:creationId xmlns:p14="http://schemas.microsoft.com/office/powerpoint/2010/main" val="2058983643"/>
+        <p14:creationId xmlns:p14="http://schemas.microsoft.com/office/powerpoint/2010/main" val="740909680"/>
       </p:ext>
     </p:extLst>
   </p:cSld>
   <p:clrMapOvr>
     <a:masterClrMapping/>
   </p:clrMapOvr>
+  <p:timing>
+    <p:tnLst>
+      <p:par>
+        <p:cTn id="1" dur="indefinite" restart="never" nodeType="tmRoot"/>
+      </p:par>
+    </p:tnLst>
+  </p:timing>
 </p:sld>
 </file>
 
@@ -3312,46 +3481,129 @@
         </p:nvSpPr>
         <p:spPr/>
         <p:txBody>
+          <a:bodyPr>
+            <a:normAutofit/>
+          </a:bodyPr>
+          <a:lstStyle/>
+          <a:p>
+            <a:r>
+              <a:rPr lang="fr-FR" dirty="0" smtClean="0"/>
+              <a:t>Application web multi </a:t>
+            </a:r>
+            <a:r>
+              <a:rPr lang="fr-FR" dirty="0" smtClean="0"/>
+              <a:t>écran</a:t>
+            </a:r>
+            <a:endParaRPr lang="fr-FR" dirty="0"/>
+          </a:p>
+        </p:txBody>
+      </p:sp>
+      <p:sp>
+        <p:nvSpPr>
+          <p:cNvPr id="3" name="Espace réservé du contenu 2"/>
+          <p:cNvSpPr>
+            <a:spLocks noGrp="1"/>
+          </p:cNvSpPr>
+          <p:nvPr>
+            <p:ph idx="1"/>
+          </p:nvPr>
+        </p:nvSpPr>
+        <p:spPr/>
+        <p:txBody>
           <a:bodyPr/>
           <a:lstStyle/>
           <a:p>
             <a:r>
-              <a:rPr lang="en-US" dirty="0" smtClean="0"/>
-              <a:t>LesFurets.com mobile et desktop</a:t>
+              <a:rPr lang="fr-FR" dirty="0" smtClean="0"/>
+              <a:t>Un seul code</a:t>
+            </a:r>
+          </a:p>
+          <a:p>
+            <a:pPr lvl="1">
+              <a:buFont typeface="Wingdings" pitchFamily="2" charset="2"/>
+              <a:buChar char="§"/>
+            </a:pPr>
+            <a:r>
+              <a:rPr lang="fr-FR" dirty="0" smtClean="0"/>
+              <a:t>Une version browser mobile</a:t>
+            </a:r>
+          </a:p>
+          <a:p>
+            <a:pPr lvl="1">
+              <a:buFont typeface="Wingdings" pitchFamily="2" charset="2"/>
+              <a:buChar char="§"/>
+            </a:pPr>
+            <a:r>
+              <a:rPr lang="fr-FR" dirty="0" smtClean="0"/>
+              <a:t>Une version browser desktop et tablettes</a:t>
+            </a:r>
+          </a:p>
+          <a:p>
+            <a:r>
+              <a:rPr lang="fr-FR" dirty="0" smtClean="0"/>
+              <a:t>Une CSS custom pour le mobile</a:t>
+            </a:r>
+          </a:p>
+          <a:p>
+            <a:r>
+              <a:rPr lang="fr-FR" dirty="0" smtClean="0"/>
+              <a:t>Des libellés simplifiés</a:t>
+            </a:r>
+          </a:p>
+          <a:p>
+            <a:r>
+              <a:rPr lang="fr-FR" dirty="0" smtClean="0"/>
+              <a:t>Certains </a:t>
+            </a:r>
+            <a:r>
+              <a:rPr lang="fr-FR" dirty="0" err="1" smtClean="0"/>
+              <a:t>widgets</a:t>
+            </a:r>
+            <a:r>
+              <a:rPr lang="fr-FR" dirty="0" smtClean="0"/>
+              <a:t> customisés</a:t>
+            </a:r>
+          </a:p>
+          <a:p>
+            <a:pPr lvl="1">
+              <a:buFont typeface="Wingdings" pitchFamily="2" charset="2"/>
+              <a:buChar char="§"/>
+            </a:pPr>
+            <a:r>
+              <a:rPr lang="fr-FR" dirty="0" smtClean="0"/>
+              <a:t>Boite de dialogue</a:t>
+            </a:r>
+          </a:p>
+          <a:p>
+            <a:pPr lvl="1">
+              <a:buFont typeface="Wingdings" pitchFamily="2" charset="2"/>
+              <a:buChar char="§"/>
+            </a:pPr>
+            <a:r>
+              <a:rPr lang="fr-FR" dirty="0" smtClean="0"/>
+              <a:t>Sélection des dates</a:t>
             </a:r>
             <a:endParaRPr lang="fr-FR" dirty="0"/>
-          </a:p>
-        </p:txBody>
-      </p:sp>
-      <p:sp>
-        <p:nvSpPr>
-          <p:cNvPr id="3" name="Espace réservé du contenu 2"/>
-          <p:cNvSpPr>
-            <a:spLocks noGrp="1"/>
-          </p:cNvSpPr>
-          <p:nvPr>
-            <p:ph idx="1"/>
-          </p:nvPr>
-        </p:nvSpPr>
-        <p:spPr/>
-        <p:txBody>
-          <a:bodyPr/>
-          <a:lstStyle/>
-          <a:p>
-            <a:endParaRPr lang="fr-FR"/>
           </a:p>
         </p:txBody>
       </p:sp>
     </p:spTree>
     <p:extLst>
       <p:ext uri="{BB962C8B-B14F-4D97-AF65-F5344CB8AC3E}">
-        <p14:creationId xmlns:p14="http://schemas.microsoft.com/office/powerpoint/2010/main" val="1901255407"/>
+        <p14:creationId xmlns:p14="http://schemas.microsoft.com/office/powerpoint/2010/main" val="2058983643"/>
       </p:ext>
     </p:extLst>
   </p:cSld>
   <p:clrMapOvr>
     <a:masterClrMapping/>
   </p:clrMapOvr>
+  <p:timing>
+    <p:tnLst>
+      <p:par>
+        <p:cTn id="1" dur="indefinite" restart="never" nodeType="tmRoot"/>
+      </p:par>
+    </p:tnLst>
+  </p:timing>
 </p:sld>
 </file>
 
@@ -3384,48 +3636,133 @@
         </p:nvSpPr>
         <p:spPr/>
         <p:txBody>
-          <a:bodyPr>
-            <a:normAutofit fontScale="90000"/>
-          </a:bodyPr>
-          <a:lstStyle/>
-          <a:p>
-            <a:r>
-              <a:rPr lang="fr-FR" dirty="0" smtClean="0"/>
-              <a:t>On enrichit encore un peu le pattern !</a:t>
+          <a:bodyPr/>
+          <a:lstStyle/>
+          <a:p>
+            <a:pPr algn="r"/>
+            <a:r>
+              <a:rPr lang="en-US" dirty="0" smtClean="0"/>
+              <a:t>mobile </a:t>
+            </a:r>
+            <a:r>
+              <a:rPr lang="en-US" dirty="0" smtClean="0"/>
+              <a:t>et desktop</a:t>
             </a:r>
             <a:endParaRPr lang="fr-FR" dirty="0"/>
           </a:p>
         </p:txBody>
       </p:sp>
-      <p:sp>
-        <p:nvSpPr>
-          <p:cNvPr id="3" name="Espace réservé du contenu 2"/>
-          <p:cNvSpPr>
-            <a:spLocks noGrp="1"/>
-          </p:cNvSpPr>
-          <p:nvPr>
-            <p:ph idx="1"/>
-          </p:nvPr>
-        </p:nvSpPr>
-        <p:spPr/>
-        <p:txBody>
-          <a:bodyPr/>
-          <a:lstStyle/>
-          <a:p>
-            <a:endParaRPr lang="fr-FR"/>
-          </a:p>
-        </p:txBody>
-      </p:sp>
+      <p:pic>
+        <p:nvPicPr>
+          <p:cNvPr id="1027" name="Picture 3"/>
+          <p:cNvPicPr>
+            <a:picLocks noChangeAspect="1" noChangeArrowheads="1"/>
+          </p:cNvPicPr>
+          <p:nvPr/>
+        </p:nvPicPr>
+        <p:blipFill>
+          <a:blip r:embed="rId2">
+            <a:extLst>
+              <a:ext uri="{28A0092B-C50C-407E-A947-70E740481C1C}">
+                <a14:useLocalDpi xmlns:a14="http://schemas.microsoft.com/office/drawing/2010/main" val="0"/>
+              </a:ext>
+            </a:extLst>
+          </a:blip>
+          <a:srcRect/>
+          <a:stretch>
+            <a:fillRect/>
+          </a:stretch>
+        </p:blipFill>
+        <p:spPr bwMode="auto">
+          <a:xfrm>
+            <a:off x="255896" y="1219199"/>
+            <a:ext cx="7545123" cy="4811161"/>
+          </a:xfrm>
+          <a:prstGeom prst="rect">
+            <a:avLst/>
+          </a:prstGeom>
+          <a:noFill/>
+          <a:ln>
+            <a:noFill/>
+          </a:ln>
+          <a:effectLst/>
+          <a:extLst>
+            <a:ext uri="{909E8E84-426E-40DD-AFC4-6F175D3DCCD1}">
+              <a14:hiddenFill xmlns:a14="http://schemas.microsoft.com/office/drawing/2010/main">
+                <a:solidFill>
+                  <a:schemeClr val="accent1"/>
+                </a:solidFill>
+              </a14:hiddenFill>
+            </a:ext>
+            <a:ext uri="{91240B29-F687-4F45-9708-019B960494DF}">
+              <a14:hiddenLine xmlns:a14="http://schemas.microsoft.com/office/drawing/2010/main" w="9525">
+                <a:solidFill>
+                  <a:schemeClr val="tx1"/>
+                </a:solidFill>
+                <a:miter lim="800000"/>
+                <a:headEnd/>
+                <a:tailEnd/>
+              </a14:hiddenLine>
+            </a:ext>
+            <a:ext uri="{AF507438-7753-43E0-B8FC-AC1667EBCBE1}">
+              <a14:hiddenEffects xmlns:a14="http://schemas.microsoft.com/office/drawing/2010/main">
+                <a:effectLst>
+                  <a:outerShdw dist="35921" dir="2700000" algn="ctr" rotWithShape="0">
+                    <a:schemeClr val="bg2"/>
+                  </a:outerShdw>
+                </a:effectLst>
+              </a14:hiddenEffects>
+            </a:ext>
+          </a:extLst>
+        </p:spPr>
+      </p:pic>
+      <p:pic>
+        <p:nvPicPr>
+          <p:cNvPr id="8" name="Image 7"/>
+          <p:cNvPicPr>
+            <a:picLocks noChangeAspect="1"/>
+          </p:cNvPicPr>
+          <p:nvPr/>
+        </p:nvPicPr>
+        <p:blipFill>
+          <a:blip r:embed="rId3">
+            <a:extLst>
+              <a:ext uri="{28A0092B-C50C-407E-A947-70E740481C1C}">
+                <a14:useLocalDpi xmlns:a14="http://schemas.microsoft.com/office/drawing/2010/main" val="0"/>
+              </a:ext>
+            </a:extLst>
+          </a:blip>
+          <a:stretch>
+            <a:fillRect/>
+          </a:stretch>
+        </p:blipFill>
+        <p:spPr>
+          <a:xfrm>
+            <a:off x="6426396" y="1219199"/>
+            <a:ext cx="2506512" cy="4876801"/>
+          </a:xfrm>
+          <a:prstGeom prst="rect">
+            <a:avLst/>
+          </a:prstGeom>
+        </p:spPr>
+      </p:pic>
     </p:spTree>
     <p:extLst>
       <p:ext uri="{BB962C8B-B14F-4D97-AF65-F5344CB8AC3E}">
-        <p14:creationId xmlns:p14="http://schemas.microsoft.com/office/powerpoint/2010/main" val="2952343248"/>
+        <p14:creationId xmlns:p14="http://schemas.microsoft.com/office/powerpoint/2010/main" val="1901255407"/>
       </p:ext>
     </p:extLst>
   </p:cSld>
   <p:clrMapOvr>
     <a:masterClrMapping/>
   </p:clrMapOvr>
+  <p:timing>
+    <p:tnLst>
+      <p:par>
+        <p:cTn id="1" dur="indefinite" restart="never" nodeType="tmRoot"/>
+      </p:par>
+    </p:tnLst>
+  </p:timing>
 </p:sld>
 </file>
 
@@ -3461,43 +3798,130 @@
           <a:bodyPr/>
           <a:lstStyle/>
           <a:p>
+            <a:pPr algn="r"/>
             <a:r>
               <a:rPr lang="en-US" dirty="0" smtClean="0"/>
-              <a:t>Deferred Binding GWT kesako ?</a:t>
+              <a:t>mobile </a:t>
+            </a:r>
+            <a:r>
+              <a:rPr lang="en-US" dirty="0"/>
+              <a:t>et desktop</a:t>
             </a:r>
             <a:endParaRPr lang="fr-FR" dirty="0"/>
           </a:p>
         </p:txBody>
       </p:sp>
-      <p:sp>
-        <p:nvSpPr>
-          <p:cNvPr id="3" name="Espace réservé du contenu 2"/>
-          <p:cNvSpPr>
-            <a:spLocks noGrp="1"/>
-          </p:cNvSpPr>
-          <p:nvPr>
-            <p:ph idx="1"/>
-          </p:nvPr>
-        </p:nvSpPr>
-        <p:spPr/>
-        <p:txBody>
-          <a:bodyPr/>
-          <a:lstStyle/>
-          <a:p>
-            <a:endParaRPr lang="fr-FR"/>
-          </a:p>
-        </p:txBody>
-      </p:sp>
+      <p:pic>
+        <p:nvPicPr>
+          <p:cNvPr id="2051" name="Picture 3"/>
+          <p:cNvPicPr>
+            <a:picLocks noChangeAspect="1" noChangeArrowheads="1"/>
+          </p:cNvPicPr>
+          <p:nvPr/>
+        </p:nvPicPr>
+        <p:blipFill>
+          <a:blip r:embed="rId2">
+            <a:extLst>
+              <a:ext uri="{28A0092B-C50C-407E-A947-70E740481C1C}">
+                <a14:useLocalDpi xmlns:a14="http://schemas.microsoft.com/office/drawing/2010/main" val="0"/>
+              </a:ext>
+            </a:extLst>
+          </a:blip>
+          <a:srcRect/>
+          <a:stretch>
+            <a:fillRect/>
+          </a:stretch>
+        </p:blipFill>
+        <p:spPr bwMode="auto">
+          <a:xfrm>
+            <a:off x="304800" y="1219200"/>
+            <a:ext cx="8229600" cy="4713316"/>
+          </a:xfrm>
+          <a:prstGeom prst="rect">
+            <a:avLst/>
+          </a:prstGeom>
+          <a:noFill/>
+          <a:ln>
+            <a:noFill/>
+          </a:ln>
+          <a:effectLst/>
+          <a:extLst>
+            <a:ext uri="{909E8E84-426E-40DD-AFC4-6F175D3DCCD1}">
+              <a14:hiddenFill xmlns:a14="http://schemas.microsoft.com/office/drawing/2010/main">
+                <a:solidFill>
+                  <a:schemeClr val="accent1"/>
+                </a:solidFill>
+              </a14:hiddenFill>
+            </a:ext>
+            <a:ext uri="{91240B29-F687-4F45-9708-019B960494DF}">
+              <a14:hiddenLine xmlns:a14="http://schemas.microsoft.com/office/drawing/2010/main" w="9525">
+                <a:solidFill>
+                  <a:schemeClr val="tx1"/>
+                </a:solidFill>
+                <a:miter lim="800000"/>
+                <a:headEnd/>
+                <a:tailEnd/>
+              </a14:hiddenLine>
+            </a:ext>
+            <a:ext uri="{AF507438-7753-43E0-B8FC-AC1667EBCBE1}">
+              <a14:hiddenEffects xmlns:a14="http://schemas.microsoft.com/office/drawing/2010/main">
+                <a:effectLst>
+                  <a:outerShdw dist="35921" dir="2700000" algn="ctr" rotWithShape="0">
+                    <a:schemeClr val="bg2"/>
+                  </a:outerShdw>
+                </a:effectLst>
+              </a14:hiddenEffects>
+            </a:ext>
+          </a:extLst>
+        </p:spPr>
+      </p:pic>
+      <p:pic>
+        <p:nvPicPr>
+          <p:cNvPr id="4" name="Image 3"/>
+          <p:cNvPicPr>
+            <a:picLocks noChangeAspect="1"/>
+          </p:cNvPicPr>
+          <p:nvPr/>
+        </p:nvPicPr>
+        <p:blipFill>
+          <a:blip r:embed="rId3">
+            <a:extLst>
+              <a:ext uri="{28A0092B-C50C-407E-A947-70E740481C1C}">
+                <a14:useLocalDpi xmlns:a14="http://schemas.microsoft.com/office/drawing/2010/main" val="0"/>
+              </a:ext>
+            </a:extLst>
+          </a:blip>
+          <a:stretch>
+            <a:fillRect/>
+          </a:stretch>
+        </p:blipFill>
+        <p:spPr>
+          <a:xfrm>
+            <a:off x="6492913" y="1219200"/>
+            <a:ext cx="2422487" cy="4713316"/>
+          </a:xfrm>
+          <a:prstGeom prst="rect">
+            <a:avLst/>
+          </a:prstGeom>
+        </p:spPr>
+      </p:pic>
     </p:spTree>
     <p:extLst>
       <p:ext uri="{BB962C8B-B14F-4D97-AF65-F5344CB8AC3E}">
-        <p14:creationId xmlns:p14="http://schemas.microsoft.com/office/powerpoint/2010/main" val="36209862"/>
+        <p14:creationId xmlns:p14="http://schemas.microsoft.com/office/powerpoint/2010/main" val="2132787326"/>
       </p:ext>
     </p:extLst>
   </p:cSld>
   <p:clrMapOvr>
     <a:masterClrMapping/>
   </p:clrMapOvr>
+  <p:timing>
+    <p:tnLst>
+      <p:par>
+        <p:cTn id="1" dur="indefinite" restart="never" nodeType="tmRoot"/>
+      </p:par>
+    </p:tnLst>
+  </p:timing>
 </p:sld>
 </file>
 
@@ -3530,48 +3954,133 @@
         </p:nvSpPr>
         <p:spPr/>
         <p:txBody>
-          <a:bodyPr>
-            <a:normAutofit fontScale="90000"/>
-          </a:bodyPr>
-          <a:lstStyle/>
-          <a:p>
-            <a:r>
-              <a:rPr lang="fr-FR" dirty="0" smtClean="0"/>
-              <a:t>Une nouvelle permutation GWT pour les clients mobiles</a:t>
+          <a:bodyPr/>
+          <a:lstStyle/>
+          <a:p>
+            <a:pPr algn="r"/>
+            <a:r>
+              <a:rPr lang="en-US" dirty="0" smtClean="0"/>
+              <a:t>mobile </a:t>
+            </a:r>
+            <a:r>
+              <a:rPr lang="en-US" dirty="0"/>
+              <a:t>et desktop</a:t>
             </a:r>
             <a:endParaRPr lang="fr-FR" dirty="0"/>
           </a:p>
         </p:txBody>
       </p:sp>
-      <p:sp>
-        <p:nvSpPr>
-          <p:cNvPr id="3" name="Espace réservé du contenu 2"/>
-          <p:cNvSpPr>
-            <a:spLocks noGrp="1"/>
-          </p:cNvSpPr>
-          <p:nvPr>
-            <p:ph idx="1"/>
-          </p:nvPr>
-        </p:nvSpPr>
-        <p:spPr/>
-        <p:txBody>
-          <a:bodyPr/>
-          <a:lstStyle/>
-          <a:p>
-            <a:endParaRPr lang="fr-FR"/>
-          </a:p>
-        </p:txBody>
-      </p:sp>
+      <p:pic>
+        <p:nvPicPr>
+          <p:cNvPr id="3074" name="Picture 2"/>
+          <p:cNvPicPr>
+            <a:picLocks noChangeAspect="1" noChangeArrowheads="1"/>
+          </p:cNvPicPr>
+          <p:nvPr/>
+        </p:nvPicPr>
+        <p:blipFill>
+          <a:blip r:embed="rId2">
+            <a:extLst>
+              <a:ext uri="{28A0092B-C50C-407E-A947-70E740481C1C}">
+                <a14:useLocalDpi xmlns:a14="http://schemas.microsoft.com/office/drawing/2010/main" val="0"/>
+              </a:ext>
+            </a:extLst>
+          </a:blip>
+          <a:srcRect/>
+          <a:stretch>
+            <a:fillRect/>
+          </a:stretch>
+        </p:blipFill>
+        <p:spPr bwMode="auto">
+          <a:xfrm>
+            <a:off x="280262" y="1157287"/>
+            <a:ext cx="7408641" cy="4786313"/>
+          </a:xfrm>
+          <a:prstGeom prst="rect">
+            <a:avLst/>
+          </a:prstGeom>
+          <a:noFill/>
+          <a:ln>
+            <a:noFill/>
+          </a:ln>
+          <a:effectLst/>
+          <a:extLst>
+            <a:ext uri="{909E8E84-426E-40DD-AFC4-6F175D3DCCD1}">
+              <a14:hiddenFill xmlns:a14="http://schemas.microsoft.com/office/drawing/2010/main">
+                <a:solidFill>
+                  <a:schemeClr val="accent1"/>
+                </a:solidFill>
+              </a14:hiddenFill>
+            </a:ext>
+            <a:ext uri="{91240B29-F687-4F45-9708-019B960494DF}">
+              <a14:hiddenLine xmlns:a14="http://schemas.microsoft.com/office/drawing/2010/main" w="9525">
+                <a:solidFill>
+                  <a:schemeClr val="tx1"/>
+                </a:solidFill>
+                <a:miter lim="800000"/>
+                <a:headEnd/>
+                <a:tailEnd/>
+              </a14:hiddenLine>
+            </a:ext>
+            <a:ext uri="{AF507438-7753-43E0-B8FC-AC1667EBCBE1}">
+              <a14:hiddenEffects xmlns:a14="http://schemas.microsoft.com/office/drawing/2010/main">
+                <a:effectLst>
+                  <a:outerShdw dist="35921" dir="2700000" algn="ctr" rotWithShape="0">
+                    <a:schemeClr val="bg2"/>
+                  </a:outerShdw>
+                </a:effectLst>
+              </a14:hiddenEffects>
+            </a:ext>
+          </a:extLst>
+        </p:spPr>
+      </p:pic>
+      <p:pic>
+        <p:nvPicPr>
+          <p:cNvPr id="4" name="Image 3"/>
+          <p:cNvPicPr>
+            <a:picLocks noChangeAspect="1"/>
+          </p:cNvPicPr>
+          <p:nvPr/>
+        </p:nvPicPr>
+        <p:blipFill>
+          <a:blip r:embed="rId3">
+            <a:extLst>
+              <a:ext uri="{28A0092B-C50C-407E-A947-70E740481C1C}">
+                <a14:useLocalDpi xmlns:a14="http://schemas.microsoft.com/office/drawing/2010/main" val="0"/>
+              </a:ext>
+            </a:extLst>
+          </a:blip>
+          <a:stretch>
+            <a:fillRect/>
+          </a:stretch>
+        </p:blipFill>
+        <p:spPr>
+          <a:xfrm>
+            <a:off x="6400801" y="1157288"/>
+            <a:ext cx="2463906" cy="4793904"/>
+          </a:xfrm>
+          <a:prstGeom prst="rect">
+            <a:avLst/>
+          </a:prstGeom>
+        </p:spPr>
+      </p:pic>
     </p:spTree>
     <p:extLst>
       <p:ext uri="{BB962C8B-B14F-4D97-AF65-F5344CB8AC3E}">
-        <p14:creationId xmlns:p14="http://schemas.microsoft.com/office/powerpoint/2010/main" val="971545166"/>
+        <p14:creationId xmlns:p14="http://schemas.microsoft.com/office/powerpoint/2010/main" val="35491766"/>
       </p:ext>
     </p:extLst>
   </p:cSld>
   <p:clrMapOvr>
     <a:masterClrMapping/>
   </p:clrMapOvr>
+  <p:timing>
+    <p:tnLst>
+      <p:par>
+        <p:cTn id="1" dur="indefinite" restart="never" nodeType="tmRoot"/>
+      </p:par>
+    </p:tnLst>
+  </p:timing>
 </p:sld>
 </file>
 
@@ -3592,6 +4101,35 @@
           <a:chExt cx="0" cy="0"/>
         </a:xfrm>
       </p:grpSpPr>
+      <p:pic>
+        <p:nvPicPr>
+          <p:cNvPr id="13" name="Espace réservé du contenu 12"/>
+          <p:cNvPicPr>
+            <a:picLocks noGrp="1" noChangeAspect="1"/>
+          </p:cNvPicPr>
+          <p:nvPr>
+            <p:ph idx="1"/>
+          </p:nvPr>
+        </p:nvPicPr>
+        <p:blipFill>
+          <a:blip r:embed="rId2">
+            <a:extLst>
+              <a:ext uri="{28A0092B-C50C-407E-A947-70E740481C1C}">
+                <a14:useLocalDpi xmlns:a14="http://schemas.microsoft.com/office/drawing/2010/main" val="0"/>
+              </a:ext>
+            </a:extLst>
+          </a:blip>
+          <a:stretch>
+            <a:fillRect/>
+          </a:stretch>
+        </p:blipFill>
+        <p:spPr>
+          <a:xfrm>
+            <a:off x="152400" y="1246801"/>
+            <a:ext cx="8813137" cy="4468199"/>
+          </a:xfrm>
+        </p:spPr>
+      </p:pic>
       <p:sp>
         <p:nvSpPr>
           <p:cNvPr id="2" name="Titre 1"/>
@@ -3610,42 +4148,89 @@
           <a:lstStyle/>
           <a:p>
             <a:r>
-              <a:rPr lang="en-US" dirty="0" smtClean="0"/>
-              <a:t>Injection des resources mobile et desktop avec GWT</a:t>
+              <a:rPr lang="fr-FR" dirty="0" smtClean="0"/>
+              <a:t>On enrichit encore un peu le pattern !</a:t>
             </a:r>
             <a:endParaRPr lang="fr-FR" dirty="0"/>
           </a:p>
         </p:txBody>
       </p:sp>
-      <p:sp>
-        <p:nvSpPr>
-          <p:cNvPr id="3" name="Espace réservé du contenu 2"/>
-          <p:cNvSpPr>
-            <a:spLocks noGrp="1"/>
-          </p:cNvSpPr>
-          <p:nvPr>
-            <p:ph idx="1"/>
-          </p:nvPr>
-        </p:nvSpPr>
-        <p:spPr/>
-        <p:txBody>
-          <a:bodyPr/>
-          <a:lstStyle/>
-          <a:p>
-            <a:endParaRPr lang="fr-FR"/>
-          </a:p>
-        </p:txBody>
-      </p:sp>
+      <p:pic>
+        <p:nvPicPr>
+          <p:cNvPr id="4" name="Picture 2"/>
+          <p:cNvPicPr>
+            <a:picLocks noChangeAspect="1" noChangeArrowheads="1"/>
+          </p:cNvPicPr>
+          <p:nvPr/>
+        </p:nvPicPr>
+        <p:blipFill>
+          <a:blip r:embed="rId3">
+            <a:extLst>
+              <a:ext uri="{28A0092B-C50C-407E-A947-70E740481C1C}">
+                <a14:useLocalDpi xmlns:a14="http://schemas.microsoft.com/office/drawing/2010/main" val="0"/>
+              </a:ext>
+            </a:extLst>
+          </a:blip>
+          <a:srcRect/>
+          <a:stretch>
+            <a:fillRect/>
+          </a:stretch>
+        </p:blipFill>
+        <p:spPr bwMode="auto">
+          <a:xfrm>
+            <a:off x="5638800" y="4495801"/>
+            <a:ext cx="3402937" cy="2285999"/>
+          </a:xfrm>
+          <a:prstGeom prst="rect">
+            <a:avLst/>
+          </a:prstGeom>
+          <a:noFill/>
+          <a:ln w="28575">
+            <a:solidFill>
+              <a:schemeClr val="tx2"/>
+            </a:solidFill>
+            <a:miter lim="800000"/>
+            <a:headEnd/>
+            <a:tailEnd/>
+          </a:ln>
+          <a:effectLst/>
+          <a:extLst>
+            <a:ext uri="{909E8E84-426E-40DD-AFC4-6F175D3DCCD1}">
+              <a14:hiddenFill xmlns:a14="http://schemas.microsoft.com/office/drawing/2010/main">
+                <a:solidFill>
+                  <a:schemeClr val="accent1"/>
+                </a:solidFill>
+              </a14:hiddenFill>
+            </a:ext>
+            <a:ext uri="{AF507438-7753-43E0-B8FC-AC1667EBCBE1}">
+              <a14:hiddenEffects xmlns:a14="http://schemas.microsoft.com/office/drawing/2010/main">
+                <a:effectLst>
+                  <a:outerShdw dist="35921" dir="2700000" algn="ctr" rotWithShape="0">
+                    <a:schemeClr val="bg2"/>
+                  </a:outerShdw>
+                </a:effectLst>
+              </a14:hiddenEffects>
+            </a:ext>
+          </a:extLst>
+        </p:spPr>
+      </p:pic>
     </p:spTree>
     <p:extLst>
       <p:ext uri="{BB962C8B-B14F-4D97-AF65-F5344CB8AC3E}">
-        <p14:creationId xmlns:p14="http://schemas.microsoft.com/office/powerpoint/2010/main" val="2787139576"/>
+        <p14:creationId xmlns:p14="http://schemas.microsoft.com/office/powerpoint/2010/main" val="2952343248"/>
       </p:ext>
     </p:extLst>
   </p:cSld>
   <p:clrMapOvr>
     <a:masterClrMapping/>
   </p:clrMapOvr>
+  <p:timing>
+    <p:tnLst>
+      <p:par>
+        <p:cTn id="1" dur="indefinite" restart="never" nodeType="tmRoot"/>
+      </p:par>
+    </p:tnLst>
+  </p:timing>
 </p:sld>
 </file>
 
@@ -3676,24 +4261,34 @@
             <p:ph type="title"/>
           </p:nvPr>
         </p:nvSpPr>
-        <p:spPr>
-          <a:xfrm>
-            <a:off x="457200" y="274638"/>
-            <a:ext cx="8229600" cy="6202362"/>
-          </a:xfrm>
-        </p:spPr>
+        <p:spPr/>
         <p:txBody>
           <a:bodyPr/>
           <a:lstStyle/>
           <a:p>
             <a:r>
               <a:rPr lang="en-US" dirty="0" smtClean="0"/>
-              <a:t>Demo </a:t>
-            </a:r>
-            <a:r>
-              <a:rPr lang="en-US" dirty="0" err="1" smtClean="0"/>
-              <a:t>StockWatcher</a:t>
-            </a:r>
+              <a:t>Deferred Binding GWT kesako ?</a:t>
+            </a:r>
+            <a:endParaRPr lang="fr-FR" dirty="0"/>
+          </a:p>
+        </p:txBody>
+      </p:sp>
+      <p:sp>
+        <p:nvSpPr>
+          <p:cNvPr id="3" name="Espace réservé du contenu 2"/>
+          <p:cNvSpPr>
+            <a:spLocks noGrp="1"/>
+          </p:cNvSpPr>
+          <p:nvPr>
+            <p:ph idx="1"/>
+          </p:nvPr>
+        </p:nvSpPr>
+        <p:spPr/>
+        <p:txBody>
+          <a:bodyPr/>
+          <a:lstStyle/>
+          <a:p>
             <a:endParaRPr lang="fr-FR" dirty="0"/>
           </a:p>
         </p:txBody>
@@ -3701,13 +4296,20 @@
     </p:spTree>
     <p:extLst>
       <p:ext uri="{BB962C8B-B14F-4D97-AF65-F5344CB8AC3E}">
-        <p14:creationId xmlns:p14="http://schemas.microsoft.com/office/powerpoint/2010/main" val="2223562876"/>
+        <p14:creationId xmlns:p14="http://schemas.microsoft.com/office/powerpoint/2010/main" val="36209862"/>
       </p:ext>
     </p:extLst>
   </p:cSld>
   <p:clrMapOvr>
     <a:masterClrMapping/>
   </p:clrMapOvr>
+  <p:timing>
+    <p:tnLst>
+      <p:par>
+        <p:cTn id="1" dur="indefinite" restart="never" nodeType="tmRoot"/>
+      </p:par>
+    </p:tnLst>
+  </p:timing>
 </p:sld>
 </file>
 
@@ -3747,15 +4349,7 @@
           <a:p>
             <a:r>
               <a:rPr lang="fr-FR" dirty="0" smtClean="0"/>
-              <a:t>Idée 1: tests </a:t>
-            </a:r>
-            <a:r>
-              <a:rPr lang="fr-FR" dirty="0" err="1" smtClean="0"/>
-              <a:t>JUnit</a:t>
-            </a:r>
-            <a:r>
-              <a:rPr lang="fr-FR" dirty="0" smtClean="0"/>
-              <a:t> pour la validation de l’orthographe</a:t>
+              <a:t>Une nouvelle permutation GWT pour les clients mobiles</a:t>
             </a:r>
             <a:endParaRPr lang="fr-FR" dirty="0"/>
           </a:p>
@@ -3783,13 +4377,20 @@
     </p:spTree>
     <p:extLst>
       <p:ext uri="{BB962C8B-B14F-4D97-AF65-F5344CB8AC3E}">
-        <p14:creationId xmlns:p14="http://schemas.microsoft.com/office/powerpoint/2010/main" val="2330121547"/>
+        <p14:creationId xmlns:p14="http://schemas.microsoft.com/office/powerpoint/2010/main" val="971545166"/>
       </p:ext>
     </p:extLst>
   </p:cSld>
   <p:clrMapOvr>
     <a:masterClrMapping/>
   </p:clrMapOvr>
+  <p:timing>
+    <p:tnLst>
+      <p:par>
+        <p:cTn id="1" dur="indefinite" restart="never" nodeType="tmRoot"/>
+      </p:par>
+    </p:tnLst>
+  </p:timing>
 </p:sld>
 </file>
 
@@ -3828,19 +4429,8 @@
           <a:lstStyle/>
           <a:p>
             <a:r>
-              <a:rPr lang="fr-FR" dirty="0" smtClean="0"/>
-              <a:t>Idée 2: une JSR pour</a:t>
-            </a:r>
-            <a:br>
-              <a:rPr lang="fr-FR" dirty="0" smtClean="0"/>
-            </a:br>
-            <a:r>
-              <a:rPr lang="fr-FR" dirty="0" err="1" smtClean="0"/>
-              <a:t>ResourceBundle</a:t>
-            </a:r>
-            <a:r>
-              <a:rPr lang="fr-FR" dirty="0" smtClean="0"/>
-              <a:t> 2.0</a:t>
+              <a:rPr lang="en-US" dirty="0" smtClean="0"/>
+              <a:t>Injection des resources mobile et desktop avec GWT</a:t>
             </a:r>
             <a:endParaRPr lang="fr-FR" dirty="0"/>
           </a:p>
@@ -3868,7 +4458,206 @@
     </p:spTree>
     <p:extLst>
       <p:ext uri="{BB962C8B-B14F-4D97-AF65-F5344CB8AC3E}">
-        <p14:creationId xmlns:p14="http://schemas.microsoft.com/office/powerpoint/2010/main" val="3489675244"/>
+        <p14:creationId xmlns:p14="http://schemas.microsoft.com/office/powerpoint/2010/main" val="2787139576"/>
+      </p:ext>
+    </p:extLst>
+  </p:cSld>
+  <p:clrMapOvr>
+    <a:masterClrMapping/>
+  </p:clrMapOvr>
+</p:sld>
+</file>
+
+<file path=ppt/slides/slide19.xml><?xml version="1.0" encoding="utf-8"?>
+<p:sld xmlns:a="http://schemas.openxmlformats.org/drawingml/2006/main" xmlns:r="http://schemas.openxmlformats.org/officeDocument/2006/relationships" xmlns:p="http://schemas.openxmlformats.org/presentationml/2006/main">
+  <p:cSld>
+    <p:spTree>
+      <p:nvGrpSpPr>
+        <p:cNvPr id="1" name=""/>
+        <p:cNvGrpSpPr/>
+        <p:nvPr/>
+      </p:nvGrpSpPr>
+      <p:grpSpPr>
+        <a:xfrm>
+          <a:off x="0" y="0"/>
+          <a:ext cx="0" cy="0"/>
+          <a:chOff x="0" y="0"/>
+          <a:chExt cx="0" cy="0"/>
+        </a:xfrm>
+      </p:grpSpPr>
+      <p:sp>
+        <p:nvSpPr>
+          <p:cNvPr id="2" name="Titre 1"/>
+          <p:cNvSpPr>
+            <a:spLocks noGrp="1"/>
+          </p:cNvSpPr>
+          <p:nvPr>
+            <p:ph type="title"/>
+          </p:nvPr>
+        </p:nvSpPr>
+        <p:spPr>
+          <a:xfrm>
+            <a:off x="457200" y="274638"/>
+            <a:ext cx="8229600" cy="1325562"/>
+          </a:xfrm>
+        </p:spPr>
+        <p:txBody>
+          <a:bodyPr/>
+          <a:lstStyle/>
+          <a:p>
+            <a:r>
+              <a:rPr lang="en-US" dirty="0" smtClean="0"/>
+              <a:t>Demo </a:t>
+            </a:r>
+            <a:r>
+              <a:rPr lang="en-US" dirty="0" err="1" smtClean="0"/>
+              <a:t>StockWatcher</a:t>
+            </a:r>
+            <a:endParaRPr lang="fr-FR" dirty="0"/>
+          </a:p>
+        </p:txBody>
+      </p:sp>
+      <p:sp>
+        <p:nvSpPr>
+          <p:cNvPr id="3" name="ZoneTexte 2"/>
+          <p:cNvSpPr txBox="1"/>
+          <p:nvPr/>
+        </p:nvSpPr>
+        <p:spPr>
+          <a:xfrm>
+            <a:off x="2920584" y="6045200"/>
+            <a:ext cx="3200400" cy="369332"/>
+          </a:xfrm>
+          <a:prstGeom prst="rect">
+            <a:avLst/>
+          </a:prstGeom>
+          <a:noFill/>
+        </p:spPr>
+        <p:txBody>
+          <a:bodyPr wrap="square" rtlCol="0">
+            <a:spAutoFit/>
+          </a:bodyPr>
+          <a:lstStyle/>
+          <a:p>
+            <a:r>
+              <a:rPr lang="fr-FR" dirty="0">
+                <a:hlinkClick r:id="rId2"/>
+              </a:rPr>
+              <a:t>http://localhost:8080/ez18n/</a:t>
+            </a:r>
+            <a:endParaRPr lang="fr-FR" dirty="0"/>
+          </a:p>
+        </p:txBody>
+      </p:sp>
+      <p:pic>
+        <p:nvPicPr>
+          <p:cNvPr id="4100" name="Picture 4"/>
+          <p:cNvPicPr>
+            <a:picLocks noChangeAspect="1" noChangeArrowheads="1"/>
+          </p:cNvPicPr>
+          <p:nvPr/>
+        </p:nvPicPr>
+        <p:blipFill>
+          <a:blip r:embed="rId3">
+            <a:extLst>
+              <a:ext uri="{28A0092B-C50C-407E-A947-70E740481C1C}">
+                <a14:useLocalDpi xmlns:a14="http://schemas.microsoft.com/office/drawing/2010/main" val="0"/>
+              </a:ext>
+            </a:extLst>
+          </a:blip>
+          <a:srcRect/>
+          <a:stretch>
+            <a:fillRect/>
+          </a:stretch>
+        </p:blipFill>
+        <p:spPr bwMode="auto">
+          <a:xfrm>
+            <a:off x="609600" y="1752600"/>
+            <a:ext cx="3604950" cy="4292600"/>
+          </a:xfrm>
+          <a:prstGeom prst="rect">
+            <a:avLst/>
+          </a:prstGeom>
+          <a:noFill/>
+          <a:ln>
+            <a:noFill/>
+          </a:ln>
+          <a:effectLst/>
+          <a:extLst>
+            <a:ext uri="{909E8E84-426E-40DD-AFC4-6F175D3DCCD1}">
+              <a14:hiddenFill xmlns:a14="http://schemas.microsoft.com/office/drawing/2010/main">
+                <a:solidFill>
+                  <a:schemeClr val="accent1"/>
+                </a:solidFill>
+              </a14:hiddenFill>
+            </a:ext>
+            <a:ext uri="{91240B29-F687-4F45-9708-019B960494DF}">
+              <a14:hiddenLine xmlns:a14="http://schemas.microsoft.com/office/drawing/2010/main" w="9525">
+                <a:solidFill>
+                  <a:schemeClr val="tx1"/>
+                </a:solidFill>
+                <a:miter lim="800000"/>
+                <a:headEnd/>
+                <a:tailEnd/>
+              </a14:hiddenLine>
+            </a:ext>
+            <a:ext uri="{AF507438-7753-43E0-B8FC-AC1667EBCBE1}">
+              <a14:hiddenEffects xmlns:a14="http://schemas.microsoft.com/office/drawing/2010/main">
+                <a:effectLst>
+                  <a:outerShdw dist="35921" dir="2700000" algn="ctr" rotWithShape="0">
+                    <a:schemeClr val="bg2"/>
+                  </a:outerShdw>
+                </a:effectLst>
+              </a14:hiddenEffects>
+            </a:ext>
+          </a:extLst>
+        </p:spPr>
+      </p:pic>
+      <p:pic>
+        <p:nvPicPr>
+          <p:cNvPr id="4101" name="Picture 5" descr="C:\home\ez18n\work\ez18n-slides\images\iphone5.png"/>
+          <p:cNvPicPr>
+            <a:picLocks noChangeAspect="1" noChangeArrowheads="1"/>
+          </p:cNvPicPr>
+          <p:nvPr/>
+        </p:nvPicPr>
+        <p:blipFill>
+          <a:blip r:embed="rId4">
+            <a:extLst>
+              <a:ext uri="{28A0092B-C50C-407E-A947-70E740481C1C}">
+                <a14:useLocalDpi xmlns:a14="http://schemas.microsoft.com/office/drawing/2010/main" val="0"/>
+              </a:ext>
+            </a:extLst>
+          </a:blip>
+          <a:srcRect/>
+          <a:stretch>
+            <a:fillRect/>
+          </a:stretch>
+        </p:blipFill>
+        <p:spPr bwMode="auto">
+          <a:xfrm>
+            <a:off x="6477000" y="1473707"/>
+            <a:ext cx="2362200" cy="4596019"/>
+          </a:xfrm>
+          <a:prstGeom prst="rect">
+            <a:avLst/>
+          </a:prstGeom>
+          <a:noFill/>
+          <a:extLst>
+            <a:ext uri="{909E8E84-426E-40DD-AFC4-6F175D3DCCD1}">
+              <a14:hiddenFill xmlns:a14="http://schemas.microsoft.com/office/drawing/2010/main">
+                <a:solidFill>
+                  <a:srgbClr val="FFFFFF"/>
+                </a:solidFill>
+              </a14:hiddenFill>
+            </a:ext>
+          </a:extLst>
+        </p:spPr>
+      </p:pic>
+    </p:spTree>
+    <p:extLst>
+      <p:ext uri="{BB962C8B-B14F-4D97-AF65-F5344CB8AC3E}">
+        <p14:creationId xmlns:p14="http://schemas.microsoft.com/office/powerpoint/2010/main" val="2223562876"/>
       </p:ext>
     </p:extLst>
   </p:cSld>
@@ -3928,12 +4717,267 @@
             <p:ph idx="1"/>
           </p:nvPr>
         </p:nvSpPr>
-        <p:spPr/>
-        <p:txBody>
-          <a:bodyPr/>
-          <a:lstStyle/>
-          <a:p>
-            <a:endParaRPr lang="fr-FR"/>
+        <p:spPr>
+          <a:xfrm>
+            <a:off x="5105400" y="1295400"/>
+            <a:ext cx="3581400" cy="4367845"/>
+          </a:xfrm>
+        </p:spPr>
+        <p:txBody>
+          <a:bodyPr>
+            <a:normAutofit fontScale="70000" lnSpcReduction="20000"/>
+          </a:bodyPr>
+          <a:lstStyle/>
+          <a:p>
+            <a:r>
+              <a:rPr lang="fr-FR" dirty="0" smtClean="0"/>
+              <a:t>N’oublier pas le </a:t>
+            </a:r>
+            <a:r>
+              <a:rPr lang="fr-FR" dirty="0" err="1" smtClean="0"/>
+              <a:t>meta</a:t>
+            </a:r>
+            <a:r>
+              <a:rPr lang="fr-FR" dirty="0" smtClean="0"/>
+              <a:t> tag</a:t>
+            </a:r>
+          </a:p>
+          <a:p>
+            <a:pPr marL="0" indent="0">
+              <a:buNone/>
+            </a:pPr>
+            <a:r>
+              <a:rPr lang="fr-FR" dirty="0" smtClean="0">
+                <a:latin typeface="Lucida Console" pitchFamily="49" charset="0"/>
+              </a:rPr>
+              <a:t>&lt;</a:t>
+            </a:r>
+            <a:r>
+              <a:rPr lang="fr-FR" dirty="0" err="1" smtClean="0">
+                <a:latin typeface="Lucida Console" pitchFamily="49" charset="0"/>
+              </a:rPr>
+              <a:t>meta</a:t>
+            </a:r>
+            <a:r>
+              <a:rPr lang="fr-FR" dirty="0" smtClean="0">
+                <a:latin typeface="Lucida Console" pitchFamily="49" charset="0"/>
+              </a:rPr>
+              <a:t> </a:t>
+            </a:r>
+            <a:r>
+              <a:rPr lang="fr-FR" dirty="0">
+                <a:latin typeface="Lucida Console" pitchFamily="49" charset="0"/>
+              </a:rPr>
+              <a:t>http-</a:t>
+            </a:r>
+            <a:r>
+              <a:rPr lang="fr-FR" dirty="0" err="1">
+                <a:latin typeface="Lucida Console" pitchFamily="49" charset="0"/>
+              </a:rPr>
+              <a:t>equiv</a:t>
+            </a:r>
+            <a:r>
+              <a:rPr lang="fr-FR" dirty="0">
+                <a:latin typeface="Lucida Console" pitchFamily="49" charset="0"/>
+              </a:rPr>
+              <a:t>="content-type" content="</a:t>
+            </a:r>
+            <a:r>
+              <a:rPr lang="fr-FR" dirty="0" err="1">
+                <a:latin typeface="Lucida Console" pitchFamily="49" charset="0"/>
+              </a:rPr>
+              <a:t>text</a:t>
+            </a:r>
+            <a:r>
+              <a:rPr lang="fr-FR" dirty="0">
+                <a:latin typeface="Lucida Console" pitchFamily="49" charset="0"/>
+              </a:rPr>
+              <a:t>/html; </a:t>
+            </a:r>
+            <a:r>
+              <a:rPr lang="fr-FR" dirty="0" err="1">
+                <a:latin typeface="Lucida Console" pitchFamily="49" charset="0"/>
+              </a:rPr>
+              <a:t>charset</a:t>
+            </a:r>
+            <a:r>
+              <a:rPr lang="fr-FR" dirty="0">
+                <a:latin typeface="Lucida Console" pitchFamily="49" charset="0"/>
+              </a:rPr>
+              <a:t>=UTF-8</a:t>
+            </a:r>
+            <a:r>
+              <a:rPr lang="fr-FR" dirty="0" smtClean="0">
+                <a:latin typeface="Lucida Console" pitchFamily="49" charset="0"/>
+              </a:rPr>
+              <a:t>"&gt;</a:t>
+            </a:r>
+          </a:p>
+          <a:p>
+            <a:endParaRPr lang="fr-FR" dirty="0" smtClean="0"/>
+          </a:p>
+          <a:p>
+            <a:r>
+              <a:rPr lang="fr-FR" dirty="0" smtClean="0"/>
+              <a:t>Ajouter les fichiers de localisation</a:t>
+            </a:r>
+          </a:p>
+          <a:p>
+            <a:pPr marL="0" indent="0">
+              <a:buNone/>
+            </a:pPr>
+            <a:r>
+              <a:rPr lang="fr-FR" dirty="0" err="1" smtClean="0">
+                <a:latin typeface="Lucida Console" pitchFamily="49" charset="0"/>
+              </a:rPr>
+              <a:t>StockWatcherConstants_de.properties</a:t>
+            </a:r>
+            <a:endParaRPr lang="fr-FR" dirty="0" smtClean="0">
+              <a:latin typeface="Lucida Console" pitchFamily="49" charset="0"/>
+            </a:endParaRPr>
+          </a:p>
+          <a:p>
+            <a:pPr marL="0" indent="0">
+              <a:buNone/>
+            </a:pPr>
+            <a:endParaRPr lang="fr-FR" dirty="0">
+              <a:latin typeface="Lucida Console" pitchFamily="49" charset="0"/>
+            </a:endParaRPr>
+          </a:p>
+          <a:p>
+            <a:r>
+              <a:rPr lang="fr-FR" dirty="0" smtClean="0"/>
+              <a:t>Charger la classe </a:t>
+            </a:r>
+          </a:p>
+          <a:p>
+            <a:pPr marL="0" indent="0">
+              <a:buNone/>
+            </a:pPr>
+            <a:r>
+              <a:rPr lang="fr-FR" dirty="0" err="1" smtClean="0">
+                <a:latin typeface="Lucida Console" pitchFamily="49" charset="0"/>
+              </a:rPr>
+              <a:t>GWT.create</a:t>
+            </a:r>
+            <a:r>
+              <a:rPr lang="fr-FR" dirty="0" smtClean="0">
+                <a:latin typeface="Lucida Console" pitchFamily="49" charset="0"/>
+              </a:rPr>
+              <a:t>(</a:t>
+            </a:r>
+            <a:r>
+              <a:rPr lang="fr-FR" dirty="0" err="1" smtClean="0">
+                <a:latin typeface="Lucida Console" pitchFamily="49" charset="0"/>
+              </a:rPr>
+              <a:t>StockWatcherConstant.class</a:t>
+            </a:r>
+            <a:r>
+              <a:rPr lang="fr-FR" dirty="0" smtClean="0">
+                <a:latin typeface="Lucida Console" pitchFamily="49" charset="0"/>
+              </a:rPr>
+              <a:t>);</a:t>
+            </a:r>
+            <a:endParaRPr lang="fr-FR" dirty="0">
+              <a:latin typeface="Lucida Console" pitchFamily="49" charset="0"/>
+            </a:endParaRPr>
+          </a:p>
+        </p:txBody>
+      </p:sp>
+      <p:pic>
+        <p:nvPicPr>
+          <p:cNvPr id="1026" name="Picture 2"/>
+          <p:cNvPicPr>
+            <a:picLocks noChangeAspect="1" noChangeArrowheads="1"/>
+          </p:cNvPicPr>
+          <p:nvPr/>
+        </p:nvPicPr>
+        <p:blipFill>
+          <a:blip r:embed="rId2">
+            <a:extLst>
+              <a:ext uri="{28A0092B-C50C-407E-A947-70E740481C1C}">
+                <a14:useLocalDpi xmlns:a14="http://schemas.microsoft.com/office/drawing/2010/main" val="0"/>
+              </a:ext>
+            </a:extLst>
+          </a:blip>
+          <a:srcRect/>
+          <a:stretch>
+            <a:fillRect/>
+          </a:stretch>
+        </p:blipFill>
+        <p:spPr bwMode="auto">
+          <a:xfrm>
+            <a:off x="383262" y="1295400"/>
+            <a:ext cx="4493538" cy="4367845"/>
+          </a:xfrm>
+          <a:prstGeom prst="rect">
+            <a:avLst/>
+          </a:prstGeom>
+          <a:noFill/>
+          <a:ln w="28575">
+            <a:solidFill>
+              <a:schemeClr val="tx2"/>
+            </a:solidFill>
+            <a:miter lim="800000"/>
+            <a:headEnd/>
+            <a:tailEnd/>
+          </a:ln>
+          <a:effectLst/>
+          <a:extLst>
+            <a:ext uri="{909E8E84-426E-40DD-AFC4-6F175D3DCCD1}">
+              <a14:hiddenFill xmlns:a14="http://schemas.microsoft.com/office/drawing/2010/main">
+                <a:solidFill>
+                  <a:schemeClr val="accent1"/>
+                </a:solidFill>
+              </a14:hiddenFill>
+            </a:ext>
+            <a:ext uri="{AF507438-7753-43E0-B8FC-AC1667EBCBE1}">
+              <a14:hiddenEffects xmlns:a14="http://schemas.microsoft.com/office/drawing/2010/main">
+                <a:effectLst>
+                  <a:outerShdw dist="35921" dir="2700000" algn="ctr" rotWithShape="0">
+                    <a:schemeClr val="bg2"/>
+                  </a:outerShdw>
+                </a:effectLst>
+              </a14:hiddenEffects>
+            </a:ext>
+          </a:extLst>
+        </p:spPr>
+      </p:pic>
+      <p:sp>
+        <p:nvSpPr>
+          <p:cNvPr id="4" name="ZoneTexte 3"/>
+          <p:cNvSpPr txBox="1"/>
+          <p:nvPr/>
+        </p:nvSpPr>
+        <p:spPr>
+          <a:xfrm>
+            <a:off x="383262" y="5862121"/>
+            <a:ext cx="6629400" cy="369332"/>
+          </a:xfrm>
+          <a:prstGeom prst="rect">
+            <a:avLst/>
+          </a:prstGeom>
+          <a:noFill/>
+        </p:spPr>
+        <p:txBody>
+          <a:bodyPr wrap="square" rtlCol="0">
+            <a:spAutoFit/>
+          </a:bodyPr>
+          <a:lstStyle/>
+          <a:p>
+            <a:r>
+              <a:rPr lang="fr-FR" dirty="0">
+                <a:hlinkClick r:id="rId3"/>
+              </a:rPr>
+              <a:t>https://</a:t>
+            </a:r>
+            <a:r>
+              <a:rPr lang="fr-FR" dirty="0" smtClean="0">
+                <a:hlinkClick r:id="rId3"/>
+              </a:rPr>
+              <a:t>developers.google.com/web-toolkit/doc/1.6/tutorial/i18n</a:t>
+            </a:r>
+            <a:endParaRPr lang="fr-FR" dirty="0"/>
           </a:p>
         </p:txBody>
       </p:sp>
@@ -3941,6 +4985,270 @@
     <p:extLst>
       <p:ext uri="{BB962C8B-B14F-4D97-AF65-F5344CB8AC3E}">
         <p14:creationId xmlns:p14="http://schemas.microsoft.com/office/powerpoint/2010/main" val="4205921118"/>
+      </p:ext>
+    </p:extLst>
+  </p:cSld>
+  <p:clrMapOvr>
+    <a:masterClrMapping/>
+  </p:clrMapOvr>
+</p:sld>
+</file>
+
+<file path=ppt/slides/slide20.xml><?xml version="1.0" encoding="utf-8"?>
+<p:sld xmlns:a="http://schemas.openxmlformats.org/drawingml/2006/main" xmlns:r="http://schemas.openxmlformats.org/officeDocument/2006/relationships" xmlns:p="http://schemas.openxmlformats.org/presentationml/2006/main">
+  <p:cSld>
+    <p:spTree>
+      <p:nvGrpSpPr>
+        <p:cNvPr id="1" name=""/>
+        <p:cNvGrpSpPr/>
+        <p:nvPr/>
+      </p:nvGrpSpPr>
+      <p:grpSpPr>
+        <a:xfrm>
+          <a:off x="0" y="0"/>
+          <a:ext cx="0" cy="0"/>
+          <a:chOff x="0" y="0"/>
+          <a:chExt cx="0" cy="0"/>
+        </a:xfrm>
+      </p:grpSpPr>
+      <p:sp>
+        <p:nvSpPr>
+          <p:cNvPr id="2" name="Titre 1"/>
+          <p:cNvSpPr>
+            <a:spLocks noGrp="1"/>
+          </p:cNvSpPr>
+          <p:nvPr>
+            <p:ph type="title"/>
+          </p:nvPr>
+        </p:nvSpPr>
+        <p:spPr/>
+        <p:txBody>
+          <a:bodyPr>
+            <a:normAutofit fontScale="90000"/>
+          </a:bodyPr>
+          <a:lstStyle/>
+          <a:p>
+            <a:r>
+              <a:rPr lang="fr-FR" dirty="0" smtClean="0"/>
+              <a:t>Idée </a:t>
+            </a:r>
+            <a:r>
+              <a:rPr lang="fr-FR" dirty="0" smtClean="0"/>
+              <a:t>1</a:t>
+            </a:r>
+            <a:br>
+              <a:rPr lang="fr-FR" dirty="0" smtClean="0"/>
+            </a:br>
+            <a:r>
+              <a:rPr lang="fr-FR" dirty="0" smtClean="0"/>
+              <a:t>Tests </a:t>
+            </a:r>
+            <a:r>
+              <a:rPr lang="fr-FR" dirty="0" err="1" smtClean="0"/>
+              <a:t>JUnit</a:t>
+            </a:r>
+            <a:r>
+              <a:rPr lang="fr-FR" dirty="0" smtClean="0"/>
+              <a:t> </a:t>
+            </a:r>
+            <a:r>
+              <a:rPr lang="fr-FR" dirty="0" smtClean="0"/>
+              <a:t>de </a:t>
+            </a:r>
+            <a:r>
+              <a:rPr lang="fr-FR" dirty="0" smtClean="0"/>
+              <a:t>l’orthographe</a:t>
+            </a:r>
+            <a:endParaRPr lang="fr-FR" dirty="0"/>
+          </a:p>
+        </p:txBody>
+      </p:sp>
+      <p:sp>
+        <p:nvSpPr>
+          <p:cNvPr id="3" name="Espace réservé du contenu 2"/>
+          <p:cNvSpPr>
+            <a:spLocks noGrp="1"/>
+          </p:cNvSpPr>
+          <p:nvPr>
+            <p:ph idx="1"/>
+          </p:nvPr>
+        </p:nvSpPr>
+        <p:spPr>
+          <a:xfrm>
+            <a:off x="457200" y="1600201"/>
+            <a:ext cx="8229600" cy="2209800"/>
+          </a:xfrm>
+        </p:spPr>
+        <p:txBody>
+          <a:bodyPr/>
+          <a:lstStyle/>
+          <a:p>
+            <a:r>
+              <a:rPr lang="fr-FR" dirty="0" smtClean="0"/>
+              <a:t>Améliorer le pattern de test unitaire</a:t>
+            </a:r>
+          </a:p>
+          <a:p>
+            <a:pPr lvl="1">
+              <a:buFont typeface="Wingdings" pitchFamily="2" charset="2"/>
+              <a:buChar char="Ø"/>
+            </a:pPr>
+            <a:r>
+              <a:rPr lang="fr-FR" dirty="0" smtClean="0"/>
+              <a:t>implémenter une vérification orthographique sous forme de tests </a:t>
+            </a:r>
+            <a:r>
+              <a:rPr lang="fr-FR" dirty="0" err="1" smtClean="0"/>
+              <a:t>JUnit</a:t>
+            </a:r>
+            <a:endParaRPr lang="fr-FR" dirty="0" smtClean="0"/>
+          </a:p>
+          <a:p>
+            <a:pPr lvl="1">
+              <a:buFont typeface="Wingdings" pitchFamily="2" charset="2"/>
+              <a:buChar char="Ø"/>
+            </a:pPr>
+            <a:r>
+              <a:rPr lang="fr-FR" dirty="0" smtClean="0"/>
+              <a:t>Utiliser Jazzy et les dictionnaires d’OpenOffice</a:t>
+            </a:r>
+            <a:endParaRPr lang="fr-FR" dirty="0"/>
+          </a:p>
+        </p:txBody>
+      </p:sp>
+      <p:sp>
+        <p:nvSpPr>
+          <p:cNvPr id="4" name="ZoneTexte 3"/>
+          <p:cNvSpPr txBox="1"/>
+          <p:nvPr/>
+        </p:nvSpPr>
+        <p:spPr>
+          <a:xfrm>
+            <a:off x="762000" y="5562600"/>
+            <a:ext cx="2880147" cy="369332"/>
+          </a:xfrm>
+          <a:prstGeom prst="rect">
+            <a:avLst/>
+          </a:prstGeom>
+          <a:noFill/>
+        </p:spPr>
+        <p:txBody>
+          <a:bodyPr wrap="none" rtlCol="0">
+            <a:spAutoFit/>
+          </a:bodyPr>
+          <a:lstStyle/>
+          <a:p>
+            <a:r>
+              <a:rPr lang="fr-FR" dirty="0">
+                <a:hlinkClick r:id="rId2"/>
+              </a:rPr>
+              <a:t>http://jazzy.sourceforge.net/</a:t>
+            </a:r>
+            <a:endParaRPr lang="fr-FR" dirty="0"/>
+          </a:p>
+        </p:txBody>
+      </p:sp>
+    </p:spTree>
+    <p:extLst>
+      <p:ext uri="{BB962C8B-B14F-4D97-AF65-F5344CB8AC3E}">
+        <p14:creationId xmlns:p14="http://schemas.microsoft.com/office/powerpoint/2010/main" val="2330121547"/>
+      </p:ext>
+    </p:extLst>
+  </p:cSld>
+  <p:clrMapOvr>
+    <a:masterClrMapping/>
+  </p:clrMapOvr>
+</p:sld>
+</file>
+
+<file path=ppt/slides/slide21.xml><?xml version="1.0" encoding="utf-8"?>
+<p:sld xmlns:a="http://schemas.openxmlformats.org/drawingml/2006/main" xmlns:r="http://schemas.openxmlformats.org/officeDocument/2006/relationships" xmlns:p="http://schemas.openxmlformats.org/presentationml/2006/main">
+  <p:cSld>
+    <p:spTree>
+      <p:nvGrpSpPr>
+        <p:cNvPr id="1" name=""/>
+        <p:cNvGrpSpPr/>
+        <p:nvPr/>
+      </p:nvGrpSpPr>
+      <p:grpSpPr>
+        <a:xfrm>
+          <a:off x="0" y="0"/>
+          <a:ext cx="0" cy="0"/>
+          <a:chOff x="0" y="0"/>
+          <a:chExt cx="0" cy="0"/>
+        </a:xfrm>
+      </p:grpSpPr>
+      <p:sp>
+        <p:nvSpPr>
+          <p:cNvPr id="2" name="Titre 1"/>
+          <p:cNvSpPr>
+            <a:spLocks noGrp="1"/>
+          </p:cNvSpPr>
+          <p:nvPr>
+            <p:ph type="title"/>
+          </p:nvPr>
+        </p:nvSpPr>
+        <p:spPr/>
+        <p:txBody>
+          <a:bodyPr>
+            <a:normAutofit fontScale="90000"/>
+          </a:bodyPr>
+          <a:lstStyle/>
+          <a:p>
+            <a:r>
+              <a:rPr lang="fr-FR" dirty="0" smtClean="0"/>
+              <a:t>Idée </a:t>
+            </a:r>
+            <a:r>
+              <a:rPr lang="fr-FR" dirty="0" smtClean="0"/>
+              <a:t>2</a:t>
+            </a:r>
+            <a:br>
+              <a:rPr lang="fr-FR" dirty="0" smtClean="0"/>
+            </a:br>
+            <a:r>
+              <a:rPr lang="fr-FR" dirty="0" smtClean="0"/>
+              <a:t>JSR pour </a:t>
+            </a:r>
+            <a:r>
+              <a:rPr lang="fr-FR" dirty="0" err="1" smtClean="0"/>
+              <a:t>ResourceBundle</a:t>
+            </a:r>
+            <a:r>
+              <a:rPr lang="fr-FR" dirty="0" smtClean="0"/>
+              <a:t> </a:t>
+            </a:r>
+            <a:r>
+              <a:rPr lang="fr-FR" dirty="0" smtClean="0"/>
+              <a:t>2.0</a:t>
+            </a:r>
+            <a:endParaRPr lang="fr-FR" dirty="0"/>
+          </a:p>
+        </p:txBody>
+      </p:sp>
+      <p:sp>
+        <p:nvSpPr>
+          <p:cNvPr id="3" name="Espace réservé du contenu 2"/>
+          <p:cNvSpPr>
+            <a:spLocks noGrp="1"/>
+          </p:cNvSpPr>
+          <p:nvPr>
+            <p:ph idx="1"/>
+          </p:nvPr>
+        </p:nvSpPr>
+        <p:spPr/>
+        <p:txBody>
+          <a:bodyPr/>
+          <a:lstStyle/>
+          <a:p>
+            <a:endParaRPr lang="fr-FR"/>
+          </a:p>
+        </p:txBody>
+      </p:sp>
+    </p:spTree>
+    <p:extLst>
+      <p:ext uri="{BB962C8B-B14F-4D97-AF65-F5344CB8AC3E}">
+        <p14:creationId xmlns:p14="http://schemas.microsoft.com/office/powerpoint/2010/main" val="3489675244"/>
       </p:ext>
     </p:extLst>
   </p:cSld>
@@ -3967,6 +5275,65 @@
           <a:chExt cx="0" cy="0"/>
         </a:xfrm>
       </p:grpSpPr>
+      <p:pic>
+        <p:nvPicPr>
+          <p:cNvPr id="2050" name="Picture 2"/>
+          <p:cNvPicPr>
+            <a:picLocks noChangeAspect="1" noChangeArrowheads="1"/>
+          </p:cNvPicPr>
+          <p:nvPr/>
+        </p:nvPicPr>
+        <p:blipFill>
+          <a:blip r:embed="rId2">
+            <a:extLst>
+              <a:ext uri="{28A0092B-C50C-407E-A947-70E740481C1C}">
+                <a14:useLocalDpi xmlns:a14="http://schemas.microsoft.com/office/drawing/2010/main" val="0"/>
+              </a:ext>
+            </a:extLst>
+          </a:blip>
+          <a:srcRect/>
+          <a:stretch>
+            <a:fillRect/>
+          </a:stretch>
+        </p:blipFill>
+        <p:spPr bwMode="auto">
+          <a:xfrm>
+            <a:off x="533400" y="5100638"/>
+            <a:ext cx="7792806" cy="766762"/>
+          </a:xfrm>
+          <a:prstGeom prst="rect">
+            <a:avLst/>
+          </a:prstGeom>
+          <a:noFill/>
+          <a:ln w="28575">
+            <a:solidFill>
+              <a:schemeClr val="tx2"/>
+            </a:solidFill>
+            <a:miter lim="800000"/>
+            <a:headEnd/>
+            <a:tailEnd/>
+          </a:ln>
+          <a:effectLst/>
+          <a:extLst>
+            <a:ext uri="{909E8E84-426E-40DD-AFC4-6F175D3DCCD1}">
+              <a14:hiddenFill xmlns:a14="http://schemas.microsoft.com/office/drawing/2010/main">
+                <a:solidFill>
+                  <a:schemeClr val="accent1"/>
+                </a:solidFill>
+              </a14:hiddenFill>
+            </a:ext>
+            <a:ext uri="{AF507438-7753-43E0-B8FC-AC1667EBCBE1}">
+              <a14:hiddenEffects xmlns:a14="http://schemas.microsoft.com/office/drawing/2010/main">
+                <a:effectLst>
+                  <a:outerShdw dist="35921" dir="2700000" algn="ctr" rotWithShape="0">
+                    <a:schemeClr val="bg2"/>
+                  </a:outerShdw>
+                </a:effectLst>
+              </a14:hiddenEffects>
+            </a:ext>
+          </a:extLst>
+        </p:spPr>
+      </p:pic>
       <p:sp>
         <p:nvSpPr>
           <p:cNvPr id="2" name="Titre 1"/>
@@ -4008,15 +5375,319 @@
             <p:ph idx="1"/>
           </p:nvPr>
         </p:nvSpPr>
-        <p:spPr/>
-        <p:txBody>
-          <a:bodyPr/>
-          <a:lstStyle/>
-          <a:p>
+        <p:spPr>
+          <a:xfrm>
+            <a:off x="457200" y="1600201"/>
+            <a:ext cx="8229600" cy="3009899"/>
+          </a:xfrm>
+        </p:spPr>
+        <p:txBody>
+          <a:bodyPr>
+            <a:normAutofit fontScale="77500" lnSpcReduction="20000"/>
+          </a:bodyPr>
+          <a:lstStyle/>
+          <a:p>
+            <a:r>
+              <a:rPr lang="fr-FR" b="1" dirty="0" err="1" smtClean="0"/>
+              <a:t>java.util.ResourceBundle</a:t>
+            </a:r>
+            <a:endParaRPr lang="fr-FR" dirty="0" smtClean="0"/>
+          </a:p>
+          <a:p>
+            <a:pPr lvl="1">
+              <a:buFont typeface="Wingdings" pitchFamily="2" charset="2"/>
+              <a:buChar char="§"/>
+            </a:pPr>
+            <a:r>
+              <a:rPr lang="fr-FR" dirty="0" smtClean="0"/>
+              <a:t>La classe qui charge les fichiers </a:t>
+            </a:r>
+            <a:r>
+              <a:rPr lang="fr-FR" dirty="0" err="1" smtClean="0"/>
+              <a:t>properties</a:t>
+            </a:r>
+            <a:r>
+              <a:rPr lang="fr-FR" dirty="0" smtClean="0"/>
+              <a:t> en fonction de la locale (par défaut ou en paramètre)</a:t>
+            </a:r>
+          </a:p>
+          <a:p>
+            <a:r>
+              <a:rPr lang="fr-FR" b="1" dirty="0" err="1" smtClean="0"/>
+              <a:t>java.util.Locale</a:t>
+            </a:r>
+            <a:endParaRPr lang="fr-FR" dirty="0" smtClean="0"/>
+          </a:p>
+          <a:p>
+            <a:pPr lvl="1">
+              <a:buFont typeface="Wingdings" pitchFamily="2" charset="2"/>
+              <a:buChar char="§"/>
+            </a:pPr>
+            <a:r>
+              <a:rPr lang="fr-FR" dirty="0" smtClean="0"/>
+              <a:t>L’objet qui désigne la langue courante avec laquelle on charge les </a:t>
+            </a:r>
+            <a:r>
+              <a:rPr lang="fr-FR" dirty="0" err="1" smtClean="0"/>
+              <a:t>resources</a:t>
+            </a:r>
+            <a:r>
+              <a:rPr lang="fr-FR" dirty="0" smtClean="0"/>
+              <a:t> </a:t>
+            </a:r>
+            <a:r>
+              <a:rPr lang="fr-FR" dirty="0" err="1" smtClean="0"/>
+              <a:t>internationnaliéses</a:t>
+            </a:r>
+            <a:endParaRPr lang="fr-FR" dirty="0" smtClean="0"/>
+          </a:p>
+          <a:p>
+            <a:r>
+              <a:rPr lang="fr-FR" dirty="0" smtClean="0"/>
+              <a:t>Convention de nommage pour les fichiers de traduction</a:t>
+            </a:r>
+          </a:p>
+          <a:p>
+            <a:pPr lvl="1">
+              <a:buFont typeface="Arial" pitchFamily="34" charset="0"/>
+              <a:buChar char="•"/>
+            </a:pPr>
+            <a:r>
+              <a:rPr lang="fr-FR" dirty="0" err="1" smtClean="0">
+                <a:latin typeface="Lucida Console" pitchFamily="49" charset="0"/>
+              </a:rPr>
+              <a:t>StockWatcherConstants_en_EN.properties</a:t>
+            </a:r>
+            <a:endParaRPr lang="fr-FR" dirty="0">
+              <a:latin typeface="Lucida Console" pitchFamily="49" charset="0"/>
+            </a:endParaRPr>
+          </a:p>
+          <a:p>
+            <a:pPr lvl="1"/>
+            <a:endParaRPr lang="fr-FR" dirty="0"/>
+          </a:p>
+        </p:txBody>
+      </p:sp>
+      <p:sp>
+        <p:nvSpPr>
+          <p:cNvPr id="4" name="Rectangle 3"/>
+          <p:cNvSpPr/>
+          <p:nvPr/>
+        </p:nvSpPr>
+        <p:spPr>
+          <a:xfrm>
+            <a:off x="4816593" y="3886200"/>
+            <a:ext cx="533400" cy="381000"/>
+          </a:xfrm>
+          <a:prstGeom prst="rect">
+            <a:avLst/>
+          </a:prstGeom>
+          <a:noFill/>
+        </p:spPr>
+        <p:style>
+          <a:lnRef idx="2">
+            <a:schemeClr val="accent1">
+              <a:shade val="50000"/>
+            </a:schemeClr>
+          </a:lnRef>
+          <a:fillRef idx="1">
+            <a:schemeClr val="accent1"/>
+          </a:fillRef>
+          <a:effectRef idx="0">
+            <a:schemeClr val="accent1"/>
+          </a:effectRef>
+          <a:fontRef idx="minor">
+            <a:schemeClr val="lt1"/>
+          </a:fontRef>
+        </p:style>
+        <p:txBody>
+          <a:bodyPr rtlCol="0" anchor="ctr"/>
+          <a:lstStyle/>
+          <a:p>
+            <a:pPr algn="ctr"/>
             <a:endParaRPr lang="fr-FR"/>
           </a:p>
         </p:txBody>
       </p:sp>
+      <p:sp>
+        <p:nvSpPr>
+          <p:cNvPr id="5" name="Rectangle 4"/>
+          <p:cNvSpPr/>
+          <p:nvPr/>
+        </p:nvSpPr>
+        <p:spPr>
+          <a:xfrm>
+            <a:off x="5349993" y="3886200"/>
+            <a:ext cx="533400" cy="381000"/>
+          </a:xfrm>
+          <a:prstGeom prst="rect">
+            <a:avLst/>
+          </a:prstGeom>
+          <a:noFill/>
+        </p:spPr>
+        <p:style>
+          <a:lnRef idx="2">
+            <a:schemeClr val="accent1">
+              <a:shade val="50000"/>
+            </a:schemeClr>
+          </a:lnRef>
+          <a:fillRef idx="1">
+            <a:schemeClr val="accent1"/>
+          </a:fillRef>
+          <a:effectRef idx="0">
+            <a:schemeClr val="accent1"/>
+          </a:effectRef>
+          <a:fontRef idx="minor">
+            <a:schemeClr val="lt1"/>
+          </a:fontRef>
+        </p:style>
+        <p:txBody>
+          <a:bodyPr rtlCol="0" anchor="ctr"/>
+          <a:lstStyle/>
+          <a:p>
+            <a:pPr algn="ctr"/>
+            <a:endParaRPr lang="fr-FR"/>
+          </a:p>
+        </p:txBody>
+      </p:sp>
+      <p:sp>
+        <p:nvSpPr>
+          <p:cNvPr id="6" name="ZoneTexte 5"/>
+          <p:cNvSpPr txBox="1"/>
+          <p:nvPr/>
+        </p:nvSpPr>
+        <p:spPr>
+          <a:xfrm>
+            <a:off x="4091270" y="4518490"/>
+            <a:ext cx="1231427" cy="523220"/>
+          </a:xfrm>
+          <a:prstGeom prst="rect">
+            <a:avLst/>
+          </a:prstGeom>
+          <a:noFill/>
+        </p:spPr>
+        <p:txBody>
+          <a:bodyPr wrap="none" rtlCol="0">
+            <a:spAutoFit/>
+          </a:bodyPr>
+          <a:lstStyle/>
+          <a:p>
+            <a:r>
+              <a:rPr lang="fr-FR" sz="2800" dirty="0" smtClean="0"/>
+              <a:t>Langue</a:t>
+            </a:r>
+            <a:endParaRPr lang="fr-FR" sz="2800" dirty="0"/>
+          </a:p>
+        </p:txBody>
+      </p:sp>
+      <p:cxnSp>
+        <p:nvCxnSpPr>
+          <p:cNvPr id="8" name="Connecteur droit avec flèche 7"/>
+          <p:cNvCxnSpPr>
+            <a:stCxn id="6" idx="0"/>
+            <a:endCxn id="4" idx="2"/>
+          </p:cNvCxnSpPr>
+          <p:nvPr/>
+        </p:nvCxnSpPr>
+        <p:spPr>
+          <a:xfrm flipV="1">
+            <a:off x="4706984" y="4267200"/>
+            <a:ext cx="376309" cy="251290"/>
+          </a:xfrm>
+          <a:prstGeom prst="straightConnector1">
+            <a:avLst/>
+          </a:prstGeom>
+          <a:ln w="28575">
+            <a:solidFill>
+              <a:schemeClr val="tx2"/>
+            </a:solidFill>
+            <a:tailEnd type="arrow"/>
+          </a:ln>
+        </p:spPr>
+        <p:style>
+          <a:lnRef idx="1">
+            <a:schemeClr val="accent1"/>
+          </a:lnRef>
+          <a:fillRef idx="0">
+            <a:schemeClr val="accent1"/>
+          </a:fillRef>
+          <a:effectRef idx="0">
+            <a:schemeClr val="accent1"/>
+          </a:effectRef>
+          <a:fontRef idx="minor">
+            <a:schemeClr val="tx1"/>
+          </a:fontRef>
+        </p:style>
+      </p:cxnSp>
+      <p:sp>
+        <p:nvSpPr>
+          <p:cNvPr id="11" name="ZoneTexte 10"/>
+          <p:cNvSpPr txBox="1"/>
+          <p:nvPr/>
+        </p:nvSpPr>
+        <p:spPr>
+          <a:xfrm>
+            <a:off x="5616693" y="4538421"/>
+            <a:ext cx="827406" cy="523220"/>
+          </a:xfrm>
+          <a:prstGeom prst="rect">
+            <a:avLst/>
+          </a:prstGeom>
+          <a:noFill/>
+        </p:spPr>
+        <p:txBody>
+          <a:bodyPr wrap="none" rtlCol="0">
+            <a:spAutoFit/>
+          </a:bodyPr>
+          <a:lstStyle/>
+          <a:p>
+            <a:r>
+              <a:rPr lang="fr-FR" sz="2800" dirty="0" smtClean="0"/>
+              <a:t>Pays</a:t>
+            </a:r>
+            <a:endParaRPr lang="fr-FR" sz="2800" dirty="0"/>
+          </a:p>
+        </p:txBody>
+      </p:sp>
+      <p:cxnSp>
+        <p:nvCxnSpPr>
+          <p:cNvPr id="13" name="Connecteur droit avec flèche 12"/>
+          <p:cNvCxnSpPr>
+            <a:stCxn id="11" idx="0"/>
+            <a:endCxn id="5" idx="2"/>
+          </p:cNvCxnSpPr>
+          <p:nvPr/>
+        </p:nvCxnSpPr>
+        <p:spPr>
+          <a:xfrm flipH="1" flipV="1">
+            <a:off x="5616693" y="4267200"/>
+            <a:ext cx="413703" cy="271221"/>
+          </a:xfrm>
+          <a:prstGeom prst="straightConnector1">
+            <a:avLst/>
+          </a:prstGeom>
+          <a:ln w="28575">
+            <a:solidFill>
+              <a:schemeClr val="tx2"/>
+            </a:solidFill>
+            <a:tailEnd type="arrow"/>
+          </a:ln>
+        </p:spPr>
+        <p:style>
+          <a:lnRef idx="1">
+            <a:schemeClr val="accent1"/>
+          </a:lnRef>
+          <a:fillRef idx="0">
+            <a:schemeClr val="accent1"/>
+          </a:fillRef>
+          <a:effectRef idx="0">
+            <a:schemeClr val="accent1"/>
+          </a:effectRef>
+          <a:fontRef idx="minor">
+            <a:schemeClr val="tx1"/>
+          </a:fontRef>
+        </p:style>
+      </p:cxnSp>
     </p:spTree>
     <p:extLst>
       <p:ext uri="{BB962C8B-B14F-4D97-AF65-F5344CB8AC3E}">
@@ -4088,15 +5759,306 @@
             <p:ph idx="1"/>
           </p:nvPr>
         </p:nvSpPr>
-        <p:spPr/>
-        <p:txBody>
-          <a:bodyPr/>
-          <a:lstStyle/>
-          <a:p>
-            <a:endParaRPr lang="fr-FR"/>
-          </a:p>
-        </p:txBody>
-      </p:sp>
+        <p:spPr>
+          <a:xfrm>
+            <a:off x="228600" y="3396734"/>
+            <a:ext cx="5334000" cy="2546866"/>
+          </a:xfrm>
+        </p:spPr>
+        <p:txBody>
+          <a:bodyPr>
+            <a:normAutofit fontScale="70000" lnSpcReduction="20000"/>
+          </a:bodyPr>
+          <a:lstStyle/>
+          <a:p>
+            <a:r>
+              <a:rPr lang="fr-FR" dirty="0" smtClean="0"/>
+              <a:t>Inclure les « formats » dans le </a:t>
+            </a:r>
+            <a:r>
+              <a:rPr lang="fr-FR" dirty="0" err="1" smtClean="0"/>
+              <a:t>ResourceBundle</a:t>
+            </a:r>
+            <a:endParaRPr lang="fr-FR" dirty="0" smtClean="0"/>
+          </a:p>
+          <a:p>
+            <a:r>
+              <a:rPr lang="fr-FR" dirty="0" smtClean="0"/>
+              <a:t>Oblige à manipuler un </a:t>
+            </a:r>
+            <a:r>
+              <a:rPr lang="fr-FR" dirty="0" err="1" smtClean="0"/>
+              <a:t>MessageFormat</a:t>
+            </a:r>
+            <a:r>
+              <a:rPr lang="fr-FR" dirty="0" smtClean="0"/>
+              <a:t> pour évaluer l’expression en passant ses paramètres via un tableau</a:t>
+            </a:r>
+          </a:p>
+          <a:p>
+            <a:r>
+              <a:rPr lang="fr-FR" dirty="0" smtClean="0"/>
+              <a:t>Gère automatiquement le formatage des paramètres en fonction de la locale (nombre, date)</a:t>
+            </a:r>
+          </a:p>
+          <a:p>
+            <a:endParaRPr lang="fr-FR" dirty="0"/>
+          </a:p>
+        </p:txBody>
+      </p:sp>
+      <p:sp>
+        <p:nvSpPr>
+          <p:cNvPr id="4" name="ZoneTexte 3"/>
+          <p:cNvSpPr txBox="1"/>
+          <p:nvPr/>
+        </p:nvSpPr>
+        <p:spPr>
+          <a:xfrm>
+            <a:off x="228600" y="5791200"/>
+            <a:ext cx="7084632" cy="369332"/>
+          </a:xfrm>
+          <a:prstGeom prst="rect">
+            <a:avLst/>
+          </a:prstGeom>
+          <a:noFill/>
+        </p:spPr>
+        <p:txBody>
+          <a:bodyPr wrap="none" rtlCol="0">
+            <a:spAutoFit/>
+          </a:bodyPr>
+          <a:lstStyle/>
+          <a:p>
+            <a:r>
+              <a:rPr lang="fr-FR" dirty="0">
+                <a:hlinkClick r:id="rId2"/>
+              </a:rPr>
+              <a:t>http://docs.oracle.com/javase/tutorial/i18n/format/messageFormat.html</a:t>
+            </a:r>
+            <a:endParaRPr lang="fr-FR" dirty="0"/>
+          </a:p>
+        </p:txBody>
+      </p:sp>
+      <p:pic>
+        <p:nvPicPr>
+          <p:cNvPr id="3074" name="Picture 2"/>
+          <p:cNvPicPr>
+            <a:picLocks noChangeAspect="1" noChangeArrowheads="1"/>
+          </p:cNvPicPr>
+          <p:nvPr/>
+        </p:nvPicPr>
+        <p:blipFill>
+          <a:blip r:embed="rId3">
+            <a:extLst>
+              <a:ext uri="{28A0092B-C50C-407E-A947-70E740481C1C}">
+                <a14:useLocalDpi xmlns:a14="http://schemas.microsoft.com/office/drawing/2010/main" val="0"/>
+              </a:ext>
+            </a:extLst>
+          </a:blip>
+          <a:srcRect/>
+          <a:stretch>
+            <a:fillRect/>
+          </a:stretch>
+        </p:blipFill>
+        <p:spPr bwMode="auto">
+          <a:xfrm>
+            <a:off x="1075038" y="1219200"/>
+            <a:ext cx="6773562" cy="838200"/>
+          </a:xfrm>
+          <a:prstGeom prst="rect">
+            <a:avLst/>
+          </a:prstGeom>
+          <a:noFill/>
+          <a:ln>
+            <a:noFill/>
+          </a:ln>
+          <a:effectLst/>
+          <a:extLst>
+            <a:ext uri="{909E8E84-426E-40DD-AFC4-6F175D3DCCD1}">
+              <a14:hiddenFill xmlns:a14="http://schemas.microsoft.com/office/drawing/2010/main">
+                <a:solidFill>
+                  <a:schemeClr val="accent1"/>
+                </a:solidFill>
+              </a14:hiddenFill>
+            </a:ext>
+            <a:ext uri="{91240B29-F687-4F45-9708-019B960494DF}">
+              <a14:hiddenLine xmlns:a14="http://schemas.microsoft.com/office/drawing/2010/main" w="9525">
+                <a:solidFill>
+                  <a:schemeClr val="tx1"/>
+                </a:solidFill>
+                <a:miter lim="800000"/>
+                <a:headEnd/>
+                <a:tailEnd/>
+              </a14:hiddenLine>
+            </a:ext>
+            <a:ext uri="{AF507438-7753-43E0-B8FC-AC1667EBCBE1}">
+              <a14:hiddenEffects xmlns:a14="http://schemas.microsoft.com/office/drawing/2010/main">
+                <a:effectLst>
+                  <a:outerShdw dist="35921" dir="2700000" algn="ctr" rotWithShape="0">
+                    <a:schemeClr val="bg2"/>
+                  </a:outerShdw>
+                </a:effectLst>
+              </a14:hiddenEffects>
+            </a:ext>
+          </a:extLst>
+        </p:spPr>
+      </p:pic>
+      <p:pic>
+        <p:nvPicPr>
+          <p:cNvPr id="3075" name="Picture 3"/>
+          <p:cNvPicPr>
+            <a:picLocks noChangeAspect="1" noChangeArrowheads="1"/>
+          </p:cNvPicPr>
+          <p:nvPr/>
+        </p:nvPicPr>
+        <p:blipFill>
+          <a:blip r:embed="rId4">
+            <a:extLst>
+              <a:ext uri="{28A0092B-C50C-407E-A947-70E740481C1C}">
+                <a14:useLocalDpi xmlns:a14="http://schemas.microsoft.com/office/drawing/2010/main" val="0"/>
+              </a:ext>
+            </a:extLst>
+          </a:blip>
+          <a:srcRect/>
+          <a:stretch>
+            <a:fillRect/>
+          </a:stretch>
+        </p:blipFill>
+        <p:spPr bwMode="auto">
+          <a:xfrm>
+            <a:off x="228600" y="2151655"/>
+            <a:ext cx="6020753" cy="819150"/>
+          </a:xfrm>
+          <a:prstGeom prst="rect">
+            <a:avLst/>
+          </a:prstGeom>
+          <a:noFill/>
+          <a:ln w="28575">
+            <a:solidFill>
+              <a:schemeClr val="tx2"/>
+            </a:solidFill>
+            <a:miter lim="800000"/>
+            <a:headEnd/>
+            <a:tailEnd/>
+          </a:ln>
+          <a:effectLst/>
+          <a:extLst>
+            <a:ext uri="{909E8E84-426E-40DD-AFC4-6F175D3DCCD1}">
+              <a14:hiddenFill xmlns:a14="http://schemas.microsoft.com/office/drawing/2010/main">
+                <a:solidFill>
+                  <a:schemeClr val="accent1"/>
+                </a:solidFill>
+              </a14:hiddenFill>
+            </a:ext>
+            <a:ext uri="{AF507438-7753-43E0-B8FC-AC1667EBCBE1}">
+              <a14:hiddenEffects xmlns:a14="http://schemas.microsoft.com/office/drawing/2010/main">
+                <a:effectLst>
+                  <a:outerShdw dist="35921" dir="2700000" algn="ctr" rotWithShape="0">
+                    <a:schemeClr val="bg2"/>
+                  </a:outerShdw>
+                </a:effectLst>
+              </a14:hiddenEffects>
+            </a:ext>
+          </a:extLst>
+        </p:spPr>
+      </p:pic>
+      <p:pic>
+        <p:nvPicPr>
+          <p:cNvPr id="3077" name="Picture 5"/>
+          <p:cNvPicPr>
+            <a:picLocks noChangeAspect="1" noChangeArrowheads="1"/>
+          </p:cNvPicPr>
+          <p:nvPr/>
+        </p:nvPicPr>
+        <p:blipFill>
+          <a:blip r:embed="rId5">
+            <a:extLst>
+              <a:ext uri="{28A0092B-C50C-407E-A947-70E740481C1C}">
+                <a14:useLocalDpi xmlns:a14="http://schemas.microsoft.com/office/drawing/2010/main" val="0"/>
+              </a:ext>
+            </a:extLst>
+          </a:blip>
+          <a:srcRect/>
+          <a:stretch>
+            <a:fillRect/>
+          </a:stretch>
+        </p:blipFill>
+        <p:spPr bwMode="auto">
+          <a:xfrm>
+            <a:off x="4724400" y="2838450"/>
+            <a:ext cx="3981450" cy="1047750"/>
+          </a:xfrm>
+          <a:prstGeom prst="rect">
+            <a:avLst/>
+          </a:prstGeom>
+          <a:noFill/>
+          <a:ln w="28575">
+            <a:solidFill>
+              <a:schemeClr val="tx2"/>
+            </a:solidFill>
+            <a:miter lim="800000"/>
+            <a:headEnd/>
+            <a:tailEnd/>
+          </a:ln>
+          <a:effectLst/>
+          <a:extLst>
+            <a:ext uri="{909E8E84-426E-40DD-AFC4-6F175D3DCCD1}">
+              <a14:hiddenFill xmlns:a14="http://schemas.microsoft.com/office/drawing/2010/main">
+                <a:solidFill>
+                  <a:schemeClr val="accent1"/>
+                </a:solidFill>
+              </a14:hiddenFill>
+            </a:ext>
+            <a:ext uri="{AF507438-7753-43E0-B8FC-AC1667EBCBE1}">
+              <a14:hiddenEffects xmlns:a14="http://schemas.microsoft.com/office/drawing/2010/main">
+                <a:effectLst>
+                  <a:outerShdw dist="35921" dir="2700000" algn="ctr" rotWithShape="0">
+                    <a:schemeClr val="bg2"/>
+                  </a:outerShdw>
+                </a:effectLst>
+              </a14:hiddenEffects>
+            </a:ext>
+          </a:extLst>
+        </p:spPr>
+      </p:pic>
+      <p:cxnSp>
+        <p:nvCxnSpPr>
+          <p:cNvPr id="7" name="Connecteur en arc 6"/>
+          <p:cNvCxnSpPr>
+            <a:stCxn id="3075" idx="2"/>
+            <a:endCxn id="3077" idx="1"/>
+          </p:cNvCxnSpPr>
+          <p:nvPr/>
+        </p:nvCxnSpPr>
+        <p:spPr>
+          <a:xfrm rot="16200000" flipH="1">
+            <a:off x="3785928" y="2423853"/>
+            <a:ext cx="391520" cy="1485423"/>
+          </a:xfrm>
+          <a:prstGeom prst="curvedConnector2">
+            <a:avLst/>
+          </a:prstGeom>
+          <a:ln w="28575">
+            <a:solidFill>
+              <a:schemeClr val="tx2"/>
+            </a:solidFill>
+            <a:tailEnd type="arrow"/>
+          </a:ln>
+        </p:spPr>
+        <p:style>
+          <a:lnRef idx="1">
+            <a:schemeClr val="accent1"/>
+          </a:lnRef>
+          <a:fillRef idx="0">
+            <a:schemeClr val="accent1"/>
+          </a:fillRef>
+          <a:effectRef idx="0">
+            <a:schemeClr val="accent1"/>
+          </a:effectRef>
+          <a:fontRef idx="minor">
+            <a:schemeClr val="tx1"/>
+          </a:fontRef>
+        </p:style>
+      </p:cxnSp>
     </p:spTree>
     <p:extLst>
       <p:ext uri="{BB962C8B-B14F-4D97-AF65-F5344CB8AC3E}">
@@ -4160,15 +6122,154 @@
             <p:ph idx="1"/>
           </p:nvPr>
         </p:nvSpPr>
-        <p:spPr/>
-        <p:txBody>
-          <a:bodyPr/>
-          <a:lstStyle/>
-          <a:p>
-            <a:endParaRPr lang="fr-FR"/>
-          </a:p>
-        </p:txBody>
-      </p:sp>
+        <p:spPr>
+          <a:xfrm>
+            <a:off x="4038600" y="1600200"/>
+            <a:ext cx="4648200" cy="4343399"/>
+          </a:xfrm>
+        </p:spPr>
+        <p:txBody>
+          <a:bodyPr>
+            <a:normAutofit fontScale="77500" lnSpcReduction="20000"/>
+          </a:bodyPr>
+          <a:lstStyle/>
+          <a:p>
+            <a:r>
+              <a:rPr lang="fr-FR" dirty="0" smtClean="0"/>
+              <a:t>On ajoute notre propre interface inspirée du pattern GWT</a:t>
+            </a:r>
+          </a:p>
+          <a:p>
+            <a:r>
+              <a:rPr lang="fr-FR" dirty="0" smtClean="0"/>
+              <a:t>@Label remplace @</a:t>
+            </a:r>
+            <a:r>
+              <a:rPr lang="fr-FR" dirty="0" err="1" smtClean="0"/>
+              <a:t>DefaultStringValue</a:t>
+            </a:r>
+            <a:r>
+              <a:rPr lang="fr-FR" dirty="0" smtClean="0"/>
+              <a:t> (GWT)</a:t>
+            </a:r>
+          </a:p>
+          <a:p>
+            <a:r>
+              <a:rPr lang="fr-FR" dirty="0" smtClean="0"/>
+              <a:t>@</a:t>
+            </a:r>
+            <a:r>
+              <a:rPr lang="fr-FR" dirty="0" err="1" smtClean="0"/>
+              <a:t>LabelBundle</a:t>
+            </a:r>
+            <a:r>
+              <a:rPr lang="fr-FR" dirty="0" smtClean="0"/>
+              <a:t> sert de trigger pour des processeurs APT</a:t>
+            </a:r>
+          </a:p>
+          <a:p>
+            <a:r>
+              <a:rPr lang="fr-FR" dirty="0" smtClean="0"/>
+              <a:t>Les processeurs APT vont générer:</a:t>
+            </a:r>
+          </a:p>
+          <a:p>
+            <a:pPr lvl="1">
+              <a:buFont typeface="Wingdings" pitchFamily="2" charset="2"/>
+              <a:buChar char="§"/>
+            </a:pPr>
+            <a:r>
+              <a:rPr lang="fr-FR" dirty="0" smtClean="0"/>
+              <a:t>le pattern GWT</a:t>
+            </a:r>
+          </a:p>
+          <a:p>
+            <a:pPr lvl="1">
+              <a:buFont typeface="Wingdings" pitchFamily="2" charset="2"/>
+              <a:buChar char="§"/>
+            </a:pPr>
+            <a:r>
+              <a:rPr lang="fr-FR" dirty="0" smtClean="0"/>
+              <a:t>une implémentation équivalente basée sur </a:t>
+            </a:r>
+            <a:r>
+              <a:rPr lang="fr-FR" dirty="0" err="1" smtClean="0"/>
+              <a:t>MessageFormat</a:t>
+            </a:r>
+            <a:r>
+              <a:rPr lang="fr-FR" dirty="0" smtClean="0"/>
+              <a:t> et </a:t>
+            </a:r>
+            <a:r>
+              <a:rPr lang="fr-FR" dirty="0" err="1" smtClean="0"/>
+              <a:t>ResourceBundle</a:t>
+            </a:r>
+            <a:endParaRPr lang="fr-FR" dirty="0" smtClean="0"/>
+          </a:p>
+          <a:p>
+            <a:endParaRPr lang="fr-FR" dirty="0"/>
+          </a:p>
+        </p:txBody>
+      </p:sp>
+      <p:pic>
+        <p:nvPicPr>
+          <p:cNvPr id="4099" name="Picture 3"/>
+          <p:cNvPicPr>
+            <a:picLocks noChangeAspect="1" noChangeArrowheads="1"/>
+          </p:cNvPicPr>
+          <p:nvPr/>
+        </p:nvPicPr>
+        <p:blipFill>
+          <a:blip r:embed="rId2">
+            <a:extLst>
+              <a:ext uri="{28A0092B-C50C-407E-A947-70E740481C1C}">
+                <a14:useLocalDpi xmlns:a14="http://schemas.microsoft.com/office/drawing/2010/main" val="0"/>
+              </a:ext>
+            </a:extLst>
+          </a:blip>
+          <a:srcRect/>
+          <a:stretch>
+            <a:fillRect/>
+          </a:stretch>
+        </p:blipFill>
+        <p:spPr bwMode="auto">
+          <a:xfrm>
+            <a:off x="381000" y="1752600"/>
+            <a:ext cx="3429000" cy="3886200"/>
+          </a:xfrm>
+          <a:prstGeom prst="rect">
+            <a:avLst/>
+          </a:prstGeom>
+          <a:noFill/>
+          <a:ln w="28575">
+            <a:solidFill>
+              <a:schemeClr val="tx2"/>
+            </a:solidFill>
+            <a:miter lim="800000"/>
+            <a:headEnd/>
+            <a:tailEnd/>
+          </a:ln>
+          <a:effectLst/>
+          <a:extLst>
+            <a:ext uri="{909E8E84-426E-40DD-AFC4-6F175D3DCCD1}">
+              <a14:hiddenFill xmlns:a14="http://schemas.microsoft.com/office/drawing/2010/main">
+                <a:solidFill>
+                  <a:schemeClr val="accent1"/>
+                </a:solidFill>
+              </a14:hiddenFill>
+            </a:ext>
+            <a:ext uri="{AF507438-7753-43E0-B8FC-AC1667EBCBE1}">
+              <a14:hiddenEffects xmlns:a14="http://schemas.microsoft.com/office/drawing/2010/main">
+                <a:effectLst>
+                  <a:outerShdw dist="35921" dir="2700000" algn="ctr" rotWithShape="0">
+                    <a:schemeClr val="bg2"/>
+                  </a:outerShdw>
+                </a:effectLst>
+              </a14:hiddenEffects>
+            </a:ext>
+          </a:extLst>
+        </p:spPr>
+      </p:pic>
     </p:spTree>
     <p:extLst>
       <p:ext uri="{BB962C8B-B14F-4D97-AF65-F5344CB8AC3E}">
@@ -4237,7 +6338,31 @@
           <a:bodyPr/>
           <a:lstStyle/>
           <a:p>
-            <a:endParaRPr lang="fr-FR"/>
+            <a:r>
+              <a:rPr lang="fr-FR" dirty="0" smtClean="0"/>
+              <a:t>Les messages sont gérés indifféremment pour du code serveur, JSP, servlet et pour le code GWT client</a:t>
+            </a:r>
+          </a:p>
+          <a:p>
+            <a:r>
+              <a:rPr lang="fr-FR" dirty="0" smtClean="0"/>
+              <a:t>Le pattern est beaucoup plus agréable que le pattern par défaut J2SE</a:t>
+            </a:r>
+          </a:p>
+          <a:p>
+            <a:r>
+              <a:rPr lang="fr-FR" dirty="0" smtClean="0"/>
+              <a:t>Le développeur ne maintient plus de fichiers </a:t>
+            </a:r>
+            <a:r>
+              <a:rPr lang="fr-FR" dirty="0" err="1" smtClean="0"/>
+              <a:t>properties</a:t>
+            </a:r>
+            <a:r>
+              <a:rPr lang="fr-FR" dirty="0" smtClean="0"/>
+              <a:t> pour la locale par défaut de l’application</a:t>
+            </a:r>
+            <a:endParaRPr lang="fr-FR" dirty="0"/>
           </a:p>
         </p:txBody>
       </p:sp>
@@ -4251,6 +6376,13 @@
   <p:clrMapOvr>
     <a:masterClrMapping/>
   </p:clrMapOvr>
+  <p:timing>
+    <p:tnLst>
+      <p:par>
+        <p:cTn id="1" dur="indefinite" restart="never" nodeType="tmRoot"/>
+      </p:par>
+    </p:tnLst>
+  </p:timing>
 </p:sld>
 </file>
 
@@ -4287,42 +6419,59 @@
           <a:lstStyle/>
           <a:p>
             <a:r>
-              <a:rPr lang="en-US" dirty="0" smtClean="0"/>
-              <a:t>Injection “à la CDI” des bundles </a:t>
+              <a:rPr lang="fr-FR" dirty="0" smtClean="0"/>
+              <a:t>Pattern implémenté</a:t>
             </a:r>
             <a:endParaRPr lang="fr-FR" dirty="0"/>
           </a:p>
         </p:txBody>
       </p:sp>
-      <p:sp>
-        <p:nvSpPr>
-          <p:cNvPr id="3" name="Espace réservé du contenu 2"/>
-          <p:cNvSpPr>
-            <a:spLocks noGrp="1"/>
-          </p:cNvSpPr>
+      <p:pic>
+        <p:nvPicPr>
+          <p:cNvPr id="8" name="Espace réservé du contenu 7"/>
+          <p:cNvPicPr>
+            <a:picLocks noGrp="1" noChangeAspect="1"/>
+          </p:cNvPicPr>
           <p:nvPr>
             <p:ph idx="1"/>
           </p:nvPr>
-        </p:nvSpPr>
-        <p:spPr/>
-        <p:txBody>
-          <a:bodyPr/>
-          <a:lstStyle/>
-          <a:p>
-            <a:endParaRPr lang="fr-FR"/>
-          </a:p>
-        </p:txBody>
-      </p:sp>
+        </p:nvPicPr>
+        <p:blipFill>
+          <a:blip r:embed="rId2">
+            <a:extLst>
+              <a:ext uri="{28A0092B-C50C-407E-A947-70E740481C1C}">
+                <a14:useLocalDpi xmlns:a14="http://schemas.microsoft.com/office/drawing/2010/main" val="0"/>
+              </a:ext>
+            </a:extLst>
+          </a:blip>
+          <a:stretch>
+            <a:fillRect/>
+          </a:stretch>
+        </p:blipFill>
+        <p:spPr>
+          <a:xfrm>
+            <a:off x="813286" y="1143000"/>
+            <a:ext cx="7873514" cy="4975364"/>
+          </a:xfrm>
+        </p:spPr>
+      </p:pic>
     </p:spTree>
     <p:extLst>
       <p:ext uri="{BB962C8B-B14F-4D97-AF65-F5344CB8AC3E}">
-        <p14:creationId xmlns:p14="http://schemas.microsoft.com/office/powerpoint/2010/main" val="1038439119"/>
+        <p14:creationId xmlns:p14="http://schemas.microsoft.com/office/powerpoint/2010/main" val="1019154384"/>
       </p:ext>
     </p:extLst>
   </p:cSld>
   <p:clrMapOvr>
     <a:masterClrMapping/>
   </p:clrMapOvr>
+  <p:timing>
+    <p:tnLst>
+      <p:par>
+        <p:cTn id="1" dur="indefinite" restart="never" nodeType="tmRoot"/>
+      </p:par>
+    </p:tnLst>
+  </p:timing>
 </p:sld>
 </file>
 
@@ -4360,11 +6509,7 @@
           <a:p>
             <a:r>
               <a:rPr lang="en-US" dirty="0" smtClean="0"/>
-              <a:t>Tests </a:t>
-            </a:r>
-            <a:r>
-              <a:rPr lang="en-US" dirty="0" err="1" smtClean="0"/>
-              <a:t>JUnit</a:t>
+              <a:t>Injection “à la CDI” des bundles </a:t>
             </a:r>
             <a:endParaRPr lang="fr-FR" dirty="0"/>
           </a:p>
@@ -4380,25 +6525,314 @@
             <p:ph idx="1"/>
           </p:nvPr>
         </p:nvSpPr>
-        <p:spPr/>
-        <p:txBody>
-          <a:bodyPr/>
-          <a:lstStyle/>
-          <a:p>
-            <a:endParaRPr lang="fr-FR"/>
-          </a:p>
-        </p:txBody>
-      </p:sp>
+        <p:spPr>
+          <a:xfrm>
+            <a:off x="457200" y="1371601"/>
+            <a:ext cx="8229600" cy="1219199"/>
+          </a:xfrm>
+        </p:spPr>
+        <p:txBody>
+          <a:bodyPr>
+            <a:normAutofit fontScale="77500" lnSpcReduction="20000"/>
+          </a:bodyPr>
+          <a:lstStyle/>
+          <a:p>
+            <a:r>
+              <a:rPr lang="fr-FR" dirty="0" smtClean="0"/>
+              <a:t>Afin de permettre l’utilisation </a:t>
+            </a:r>
+            <a:r>
+              <a:rPr lang="fr-FR" dirty="0" smtClean="0"/>
+              <a:t>indifféremment </a:t>
+            </a:r>
+            <a:r>
+              <a:rPr lang="fr-FR" dirty="0" smtClean="0"/>
+              <a:t>des deux implémentations, il faut passer l’interface @</a:t>
+            </a:r>
+            <a:r>
+              <a:rPr lang="fr-FR" dirty="0" err="1" smtClean="0"/>
+              <a:t>LabelBundle</a:t>
+            </a:r>
+            <a:r>
+              <a:rPr lang="fr-FR" dirty="0" smtClean="0"/>
+              <a:t> aux constructeurs des objets utilisant les messages</a:t>
+            </a:r>
+            <a:endParaRPr lang="fr-FR" dirty="0"/>
+          </a:p>
+        </p:txBody>
+      </p:sp>
+      <p:pic>
+        <p:nvPicPr>
+          <p:cNvPr id="5122" name="Picture 2"/>
+          <p:cNvPicPr>
+            <a:picLocks noChangeAspect="1" noChangeArrowheads="1"/>
+          </p:cNvPicPr>
+          <p:nvPr/>
+        </p:nvPicPr>
+        <p:blipFill>
+          <a:blip r:embed="rId2">
+            <a:extLst>
+              <a:ext uri="{28A0092B-C50C-407E-A947-70E740481C1C}">
+                <a14:useLocalDpi xmlns:a14="http://schemas.microsoft.com/office/drawing/2010/main" val="0"/>
+              </a:ext>
+            </a:extLst>
+          </a:blip>
+          <a:srcRect/>
+          <a:stretch>
+            <a:fillRect/>
+          </a:stretch>
+        </p:blipFill>
+        <p:spPr bwMode="auto">
+          <a:xfrm>
+            <a:off x="990600" y="3067676"/>
+            <a:ext cx="3526503" cy="1219200"/>
+          </a:xfrm>
+          <a:prstGeom prst="rect">
+            <a:avLst/>
+          </a:prstGeom>
+          <a:noFill/>
+          <a:ln w="28575">
+            <a:solidFill>
+              <a:schemeClr val="tx2"/>
+            </a:solidFill>
+            <a:miter lim="800000"/>
+            <a:headEnd/>
+            <a:tailEnd/>
+          </a:ln>
+          <a:effectLst/>
+          <a:extLst>
+            <a:ext uri="{909E8E84-426E-40DD-AFC4-6F175D3DCCD1}">
+              <a14:hiddenFill xmlns:a14="http://schemas.microsoft.com/office/drawing/2010/main">
+                <a:solidFill>
+                  <a:schemeClr val="accent1"/>
+                </a:solidFill>
+              </a14:hiddenFill>
+            </a:ext>
+            <a:ext uri="{AF507438-7753-43E0-B8FC-AC1667EBCBE1}">
+              <a14:hiddenEffects xmlns:a14="http://schemas.microsoft.com/office/drawing/2010/main">
+                <a:effectLst>
+                  <a:outerShdw dist="35921" dir="2700000" algn="ctr" rotWithShape="0">
+                    <a:schemeClr val="bg2"/>
+                  </a:outerShdw>
+                </a:effectLst>
+              </a14:hiddenEffects>
+            </a:ext>
+          </a:extLst>
+        </p:spPr>
+      </p:pic>
+      <p:pic>
+        <p:nvPicPr>
+          <p:cNvPr id="5123" name="Picture 3"/>
+          <p:cNvPicPr>
+            <a:picLocks noChangeAspect="1" noChangeArrowheads="1"/>
+          </p:cNvPicPr>
+          <p:nvPr/>
+        </p:nvPicPr>
+        <p:blipFill>
+          <a:blip r:embed="rId3">
+            <a:extLst>
+              <a:ext uri="{28A0092B-C50C-407E-A947-70E740481C1C}">
+                <a14:useLocalDpi xmlns:a14="http://schemas.microsoft.com/office/drawing/2010/main" val="0"/>
+              </a:ext>
+            </a:extLst>
+          </a:blip>
+          <a:srcRect/>
+          <a:stretch>
+            <a:fillRect/>
+          </a:stretch>
+        </p:blipFill>
+        <p:spPr bwMode="auto">
+          <a:xfrm>
+            <a:off x="4981575" y="2686676"/>
+            <a:ext cx="3933825" cy="1961524"/>
+          </a:xfrm>
+          <a:prstGeom prst="rect">
+            <a:avLst/>
+          </a:prstGeom>
+          <a:noFill/>
+          <a:ln w="28575">
+            <a:solidFill>
+              <a:schemeClr val="tx2"/>
+            </a:solidFill>
+            <a:miter lim="800000"/>
+            <a:headEnd/>
+            <a:tailEnd/>
+          </a:ln>
+          <a:effectLst/>
+          <a:extLst>
+            <a:ext uri="{909E8E84-426E-40DD-AFC4-6F175D3DCCD1}">
+              <a14:hiddenFill xmlns:a14="http://schemas.microsoft.com/office/drawing/2010/main">
+                <a:solidFill>
+                  <a:schemeClr val="accent1"/>
+                </a:solidFill>
+              </a14:hiddenFill>
+            </a:ext>
+            <a:ext uri="{AF507438-7753-43E0-B8FC-AC1667EBCBE1}">
+              <a14:hiddenEffects xmlns:a14="http://schemas.microsoft.com/office/drawing/2010/main">
+                <a:effectLst>
+                  <a:outerShdw dist="35921" dir="2700000" algn="ctr" rotWithShape="0">
+                    <a:schemeClr val="bg2"/>
+                  </a:outerShdw>
+                </a:effectLst>
+              </a14:hiddenEffects>
+            </a:ext>
+          </a:extLst>
+        </p:spPr>
+      </p:pic>
+      <p:cxnSp>
+        <p:nvCxnSpPr>
+          <p:cNvPr id="5" name="Connecteur droit avec flèche 4"/>
+          <p:cNvCxnSpPr>
+            <a:stCxn id="5122" idx="3"/>
+            <a:endCxn id="5123" idx="1"/>
+          </p:cNvCxnSpPr>
+          <p:nvPr/>
+        </p:nvCxnSpPr>
+        <p:spPr>
+          <a:xfrm flipV="1">
+            <a:off x="4517103" y="3667438"/>
+            <a:ext cx="464472" cy="9838"/>
+          </a:xfrm>
+          <a:prstGeom prst="straightConnector1">
+            <a:avLst/>
+          </a:prstGeom>
+          <a:ln w="28575">
+            <a:solidFill>
+              <a:schemeClr val="tx2"/>
+            </a:solidFill>
+            <a:tailEnd type="arrow"/>
+          </a:ln>
+        </p:spPr>
+        <p:style>
+          <a:lnRef idx="1">
+            <a:schemeClr val="accent1"/>
+          </a:lnRef>
+          <a:fillRef idx="0">
+            <a:schemeClr val="accent1"/>
+          </a:fillRef>
+          <a:effectRef idx="0">
+            <a:schemeClr val="accent1"/>
+          </a:effectRef>
+          <a:fontRef idx="minor">
+            <a:schemeClr val="tx1"/>
+          </a:fontRef>
+        </p:style>
+      </p:cxnSp>
+      <p:cxnSp>
+        <p:nvCxnSpPr>
+          <p:cNvPr id="8" name="Connecteur droit avec flèche 7"/>
+          <p:cNvCxnSpPr>
+            <a:stCxn id="5125" idx="0"/>
+            <a:endCxn id="5122" idx="2"/>
+          </p:cNvCxnSpPr>
+          <p:nvPr/>
+        </p:nvCxnSpPr>
+        <p:spPr>
+          <a:xfrm flipH="1" flipV="1">
+            <a:off x="2753852" y="4286876"/>
+            <a:ext cx="1812982" cy="666123"/>
+          </a:xfrm>
+          <a:prstGeom prst="straightConnector1">
+            <a:avLst/>
+          </a:prstGeom>
+          <a:ln w="28575">
+            <a:solidFill>
+              <a:schemeClr val="tx2"/>
+            </a:solidFill>
+            <a:tailEnd type="arrow"/>
+          </a:ln>
+        </p:spPr>
+        <p:style>
+          <a:lnRef idx="1">
+            <a:schemeClr val="accent1"/>
+          </a:lnRef>
+          <a:fillRef idx="0">
+            <a:schemeClr val="accent1"/>
+          </a:fillRef>
+          <a:effectRef idx="0">
+            <a:schemeClr val="accent1"/>
+          </a:effectRef>
+          <a:fontRef idx="minor">
+            <a:schemeClr val="tx1"/>
+          </a:fontRef>
+        </p:style>
+      </p:cxnSp>
+      <p:pic>
+        <p:nvPicPr>
+          <p:cNvPr id="5125" name="Picture 5"/>
+          <p:cNvPicPr>
+            <a:picLocks noChangeAspect="1" noChangeArrowheads="1"/>
+          </p:cNvPicPr>
+          <p:nvPr/>
+        </p:nvPicPr>
+        <p:blipFill>
+          <a:blip r:embed="rId4">
+            <a:extLst>
+              <a:ext uri="{28A0092B-C50C-407E-A947-70E740481C1C}">
+                <a14:useLocalDpi xmlns:a14="http://schemas.microsoft.com/office/drawing/2010/main" val="0"/>
+              </a:ext>
+            </a:extLst>
+          </a:blip>
+          <a:srcRect/>
+          <a:stretch>
+            <a:fillRect/>
+          </a:stretch>
+        </p:blipFill>
+        <p:spPr bwMode="auto">
+          <a:xfrm>
+            <a:off x="218268" y="4952999"/>
+            <a:ext cx="8697132" cy="773953"/>
+          </a:xfrm>
+          <a:prstGeom prst="rect">
+            <a:avLst/>
+          </a:prstGeom>
+          <a:noFill/>
+          <a:ln w="28575">
+            <a:solidFill>
+              <a:schemeClr val="tx2"/>
+            </a:solidFill>
+            <a:miter lim="800000"/>
+            <a:headEnd/>
+            <a:tailEnd/>
+          </a:ln>
+          <a:effectLst/>
+          <a:extLst>
+            <a:ext uri="{909E8E84-426E-40DD-AFC4-6F175D3DCCD1}">
+              <a14:hiddenFill xmlns:a14="http://schemas.microsoft.com/office/drawing/2010/main">
+                <a:solidFill>
+                  <a:schemeClr val="accent1"/>
+                </a:solidFill>
+              </a14:hiddenFill>
+            </a:ext>
+            <a:ext uri="{AF507438-7753-43E0-B8FC-AC1667EBCBE1}">
+              <a14:hiddenEffects xmlns:a14="http://schemas.microsoft.com/office/drawing/2010/main">
+                <a:effectLst>
+                  <a:outerShdw dist="35921" dir="2700000" algn="ctr" rotWithShape="0">
+                    <a:schemeClr val="bg2"/>
+                  </a:outerShdw>
+                </a:effectLst>
+              </a14:hiddenEffects>
+            </a:ext>
+          </a:extLst>
+        </p:spPr>
+      </p:pic>
     </p:spTree>
     <p:extLst>
       <p:ext uri="{BB962C8B-B14F-4D97-AF65-F5344CB8AC3E}">
-        <p14:creationId xmlns:p14="http://schemas.microsoft.com/office/powerpoint/2010/main" val="2148054763"/>
+        <p14:creationId xmlns:p14="http://schemas.microsoft.com/office/powerpoint/2010/main" val="1038439119"/>
       </p:ext>
     </p:extLst>
   </p:cSld>
   <p:clrMapOvr>
     <a:masterClrMapping/>
   </p:clrMapOvr>
+  <p:timing>
+    <p:tnLst>
+      <p:par>
+        <p:cTn id="1" dur="indefinite" restart="never" nodeType="tmRoot"/>
+      </p:par>
+    </p:tnLst>
+  </p:timing>
 </p:sld>
 </file>
 
@@ -4435,28 +6869,235 @@
           <a:lstStyle/>
           <a:p>
             <a:r>
+              <a:rPr lang="en-US" dirty="0" smtClean="0"/>
+              <a:t>Tests </a:t>
+            </a:r>
+            <a:r>
+              <a:rPr lang="en-US" dirty="0" err="1" smtClean="0"/>
+              <a:t>JUnit</a:t>
+            </a:r>
+            <a:endParaRPr lang="fr-FR" dirty="0"/>
+          </a:p>
+        </p:txBody>
+      </p:sp>
+      <p:sp>
+        <p:nvSpPr>
+          <p:cNvPr id="3" name="Espace réservé du contenu 2"/>
+          <p:cNvSpPr>
+            <a:spLocks noGrp="1"/>
+          </p:cNvSpPr>
+          <p:nvPr>
+            <p:ph idx="1"/>
+          </p:nvPr>
+        </p:nvSpPr>
+        <p:spPr>
+          <a:xfrm>
+            <a:off x="457200" y="1600201"/>
+            <a:ext cx="8229600" cy="2133600"/>
+          </a:xfrm>
+        </p:spPr>
+        <p:txBody>
+          <a:bodyPr>
+            <a:normAutofit fontScale="92500" lnSpcReduction="10000"/>
+          </a:bodyPr>
+          <a:lstStyle/>
+          <a:p>
+            <a:r>
               <a:rPr lang="fr-FR" dirty="0" smtClean="0"/>
-              <a:t>Rapport CSV des clés i18n</a:t>
+              <a:t>On peut également générer des vérifications sur les labels sous forme de test </a:t>
+            </a:r>
+            <a:r>
+              <a:rPr lang="fr-FR" dirty="0" err="1" smtClean="0"/>
+              <a:t>JUnit</a:t>
+            </a:r>
+            <a:r>
+              <a:rPr lang="fr-FR" dirty="0" smtClean="0"/>
+              <a:t>:</a:t>
+            </a:r>
+          </a:p>
+          <a:p>
+            <a:pPr lvl="1">
+              <a:buFont typeface="Wingdings" pitchFamily="2" charset="2"/>
+              <a:buChar char="Ø"/>
+            </a:pPr>
+            <a:r>
+              <a:rPr lang="fr-FR" dirty="0" smtClean="0"/>
+              <a:t>un autre processeur d’annotation génère une série d’assertion vérifiées à chaque modification de l’interface</a:t>
             </a:r>
             <a:endParaRPr lang="fr-FR" dirty="0"/>
           </a:p>
         </p:txBody>
       </p:sp>
-      <p:sp>
-        <p:nvSpPr>
-          <p:cNvPr id="3" name="Espace réservé du contenu 2"/>
-          <p:cNvSpPr>
-            <a:spLocks noGrp="1"/>
-          </p:cNvSpPr>
-          <p:nvPr>
-            <p:ph idx="1"/>
-          </p:nvPr>
-        </p:nvSpPr>
-        <p:spPr/>
-        <p:txBody>
-          <a:bodyPr/>
-          <a:lstStyle/>
-          <a:p>
+      <p:pic>
+        <p:nvPicPr>
+          <p:cNvPr id="4" name="Picture 2"/>
+          <p:cNvPicPr>
+            <a:picLocks noChangeAspect="1" noChangeArrowheads="1"/>
+          </p:cNvPicPr>
+          <p:nvPr/>
+        </p:nvPicPr>
+        <p:blipFill>
+          <a:blip r:embed="rId2">
+            <a:extLst>
+              <a:ext uri="{28A0092B-C50C-407E-A947-70E740481C1C}">
+                <a14:useLocalDpi xmlns:a14="http://schemas.microsoft.com/office/drawing/2010/main" val="0"/>
+              </a:ext>
+            </a:extLst>
+          </a:blip>
+          <a:srcRect/>
+          <a:stretch>
+            <a:fillRect/>
+          </a:stretch>
+        </p:blipFill>
+        <p:spPr bwMode="auto">
+          <a:xfrm>
+            <a:off x="393492" y="3810000"/>
+            <a:ext cx="6769308" cy="2349166"/>
+          </a:xfrm>
+          <a:prstGeom prst="rect">
+            <a:avLst/>
+          </a:prstGeom>
+          <a:noFill/>
+          <a:ln w="28575">
+            <a:solidFill>
+              <a:schemeClr val="tx2"/>
+            </a:solidFill>
+            <a:miter lim="800000"/>
+            <a:headEnd/>
+            <a:tailEnd/>
+          </a:ln>
+          <a:effectLst/>
+          <a:extLst>
+            <a:ext uri="{909E8E84-426E-40DD-AFC4-6F175D3DCCD1}">
+              <a14:hiddenFill xmlns:a14="http://schemas.microsoft.com/office/drawing/2010/main">
+                <a:solidFill>
+                  <a:schemeClr val="accent1"/>
+                </a:solidFill>
+              </a14:hiddenFill>
+            </a:ext>
+            <a:ext uri="{91240B29-F687-4F45-9708-019B960494DF}">
+              <a14:hiddenLine xmlns:a14="http://schemas.microsoft.com/office/drawing/2010/main" w="9525">
+                <a:solidFill>
+                  <a:schemeClr val="tx1"/>
+                </a:solidFill>
+                <a:miter lim="800000"/>
+                <a:headEnd/>
+                <a:tailEnd/>
+              </a14:hiddenLine>
+            </a:ext>
+            <a:ext uri="{AF507438-7753-43E0-B8FC-AC1667EBCBE1}">
+              <a14:hiddenEffects xmlns:a14="http://schemas.microsoft.com/office/drawing/2010/main">
+                <a:effectLst>
+                  <a:outerShdw dist="35921" dir="2700000" algn="ctr" rotWithShape="0">
+                    <a:schemeClr val="bg2"/>
+                  </a:outerShdw>
+                </a:effectLst>
+              </a14:hiddenEffects>
+            </a:ext>
+          </a:extLst>
+        </p:spPr>
+      </p:pic>
+      <p:pic>
+        <p:nvPicPr>
+          <p:cNvPr id="6146" name="Picture 2"/>
+          <p:cNvPicPr>
+            <a:picLocks noChangeAspect="1" noChangeArrowheads="1"/>
+          </p:cNvPicPr>
+          <p:nvPr/>
+        </p:nvPicPr>
+        <p:blipFill>
+          <a:blip r:embed="rId3">
+            <a:extLst>
+              <a:ext uri="{28A0092B-C50C-407E-A947-70E740481C1C}">
+                <a14:useLocalDpi xmlns:a14="http://schemas.microsoft.com/office/drawing/2010/main" val="0"/>
+              </a:ext>
+            </a:extLst>
+          </a:blip>
+          <a:srcRect/>
+          <a:stretch>
+            <a:fillRect/>
+          </a:stretch>
+        </p:blipFill>
+        <p:spPr bwMode="auto">
+          <a:xfrm>
+            <a:off x="3936167" y="3429000"/>
+            <a:ext cx="4970966" cy="1295400"/>
+          </a:xfrm>
+          <a:prstGeom prst="rect">
+            <a:avLst/>
+          </a:prstGeom>
+          <a:noFill/>
+          <a:ln w="28575">
+            <a:solidFill>
+              <a:schemeClr val="tx2"/>
+            </a:solidFill>
+            <a:miter lim="800000"/>
+            <a:headEnd/>
+            <a:tailEnd/>
+          </a:ln>
+          <a:effectLst/>
+          <a:extLst>
+            <a:ext uri="{909E8E84-426E-40DD-AFC4-6F175D3DCCD1}">
+              <a14:hiddenFill xmlns:a14="http://schemas.microsoft.com/office/drawing/2010/main">
+                <a:solidFill>
+                  <a:schemeClr val="accent1"/>
+                </a:solidFill>
+              </a14:hiddenFill>
+            </a:ext>
+            <a:ext uri="{AF507438-7753-43E0-B8FC-AC1667EBCBE1}">
+              <a14:hiddenEffects xmlns:a14="http://schemas.microsoft.com/office/drawing/2010/main">
+                <a:effectLst>
+                  <a:outerShdw dist="35921" dir="2700000" algn="ctr" rotWithShape="0">
+                    <a:schemeClr val="bg2"/>
+                  </a:outerShdw>
+                </a:effectLst>
+              </a14:hiddenEffects>
+            </a:ext>
+          </a:extLst>
+        </p:spPr>
+      </p:pic>
+      <p:sp>
+        <p:nvSpPr>
+          <p:cNvPr id="6" name="Rectangle 5"/>
+          <p:cNvSpPr/>
+          <p:nvPr/>
+        </p:nvSpPr>
+        <p:spPr>
+          <a:xfrm>
+            <a:off x="762000" y="5334000"/>
+            <a:ext cx="5257800" cy="228600"/>
+          </a:xfrm>
+          <a:prstGeom prst="rect">
+            <a:avLst/>
+          </a:prstGeom>
+          <a:noFill/>
+          <a:ln>
+            <a:solidFill>
+              <a:schemeClr val="tx2"/>
+            </a:solidFill>
+          </a:ln>
+        </p:spPr>
+        <p:style>
+          <a:lnRef idx="2">
+            <a:schemeClr val="accent1">
+              <a:shade val="50000"/>
+            </a:schemeClr>
+          </a:lnRef>
+          <a:fillRef idx="1">
+            <a:schemeClr val="accent1"/>
+          </a:fillRef>
+          <a:effectRef idx="0">
+            <a:schemeClr val="accent1"/>
+          </a:effectRef>
+          <a:fontRef idx="minor">
+            <a:schemeClr val="lt1"/>
+          </a:fontRef>
+        </p:style>
+        <p:txBody>
+          <a:bodyPr rtlCol="0" anchor="ctr"/>
+          <a:lstStyle/>
+          <a:p>
+            <a:pPr algn="ctr"/>
             <a:endParaRPr lang="fr-FR"/>
           </a:p>
         </p:txBody>
@@ -4464,13 +7105,20 @@
     </p:spTree>
     <p:extLst>
       <p:ext uri="{BB962C8B-B14F-4D97-AF65-F5344CB8AC3E}">
-        <p14:creationId xmlns:p14="http://schemas.microsoft.com/office/powerpoint/2010/main" val="740909680"/>
+        <p14:creationId xmlns:p14="http://schemas.microsoft.com/office/powerpoint/2010/main" val="2148054763"/>
       </p:ext>
     </p:extLst>
   </p:cSld>
   <p:clrMapOvr>
     <a:masterClrMapping/>
   </p:clrMapOvr>
+  <p:timing>
+    <p:tnLst>
+      <p:par>
+        <p:cTn id="1" dur="indefinite" restart="never" nodeType="tmRoot"/>
+      </p:par>
+    </p:tnLst>
+  </p:timing>
 </p:sld>
 </file>
 
